--- a/Siamese Networks and Image Verification.pptx
+++ b/Siamese Networks and Image Verification.pptx
@@ -489,7 +489,7 @@
             <a:fld id="{DC2121CD-E55E-B040-94A4-45A10BF7042E}" type="slidenum">
               <a:rPr lang="it-IT" altLang="it-IT"/>
               <a:pPr/>
-              <a:t>‹N›</a:t>
+              <a:t>‹#›</a:t>
             </a:fld>
             <a:endParaRPr lang="it-IT" altLang="it-IT"/>
           </a:p>
@@ -939,7 +939,7 @@
             <a:fld id="{EF1345C3-B1F9-A84F-A222-E81E7E9EAF08}" type="slidenum">
               <a:rPr lang="it-IT" altLang="it-IT"/>
               <a:pPr/>
-              <a:t>‹N›</a:t>
+              <a:t>‹#›</a:t>
             </a:fld>
             <a:endParaRPr lang="it-IT" altLang="it-IT"/>
           </a:p>
@@ -3501,7 +3501,7 @@
             <a:fld id="{C55A76E4-D6BE-554D-89CA-11081D4A1CDD}" type="slidenum">
               <a:rPr lang="it-IT" altLang="it-IT"/>
               <a:pPr/>
-              <a:t>‹N›</a:t>
+              <a:t>‹#›</a:t>
             </a:fld>
             <a:endParaRPr lang="it-IT" altLang="it-IT"/>
           </a:p>
@@ -3693,7 +3693,7 @@
             <a:fld id="{2C12129C-65FD-B642-A176-B3EBAFDF0BF8}" type="slidenum">
               <a:rPr lang="it-IT" altLang="it-IT"/>
               <a:pPr/>
-              <a:t>‹N›</a:t>
+              <a:t>‹#›</a:t>
             </a:fld>
             <a:endParaRPr lang="it-IT" altLang="it-IT"/>
           </a:p>
@@ -3895,7 +3895,7 @@
             <a:fld id="{E1B24A4E-A9CC-064E-B0CF-B9455740B208}" type="slidenum">
               <a:rPr lang="it-IT" altLang="it-IT"/>
               <a:pPr/>
-              <a:t>‹N›</a:t>
+              <a:t>‹#›</a:t>
             </a:fld>
             <a:endParaRPr lang="it-IT" altLang="it-IT"/>
           </a:p>
@@ -4146,7 +4146,7 @@
             <a:fld id="{9CF514E8-D021-7A48-B9E1-A697529F0D69}" type="slidenum">
               <a:rPr lang="it-IT" altLang="it-IT"/>
               <a:pPr/>
-              <a:t>‹N›</a:t>
+              <a:t>‹#›</a:t>
             </a:fld>
             <a:endParaRPr lang="it-IT" altLang="it-IT"/>
           </a:p>
@@ -4363,7 +4363,7 @@
             <a:fld id="{C80DD478-AD95-0C45-9ACC-2D494CE0F076}" type="slidenum">
               <a:rPr lang="it-IT" altLang="it-IT"/>
               <a:pPr/>
-              <a:t>‹N›</a:t>
+              <a:t>‹#›</a:t>
             </a:fld>
             <a:endParaRPr lang="it-IT" altLang="it-IT"/>
           </a:p>
@@ -4580,7 +4580,7 @@
             <a:fld id="{FC69B914-81C1-894C-9201-64B9B89F632C}" type="slidenum">
               <a:rPr lang="it-IT" altLang="it-IT"/>
               <a:pPr/>
-              <a:t>‹N›</a:t>
+              <a:t>‹#›</a:t>
             </a:fld>
             <a:endParaRPr lang="it-IT" altLang="it-IT"/>
           </a:p>
@@ -4772,7 +4772,7 @@
             <a:fld id="{0CD1DD89-1A4C-6748-9429-7F2332777A4D}" type="slidenum">
               <a:rPr lang="it-IT" altLang="it-IT"/>
               <a:pPr/>
-              <a:t>‹N›</a:t>
+              <a:t>‹#›</a:t>
             </a:fld>
             <a:endParaRPr lang="it-IT" altLang="it-IT"/>
           </a:p>
@@ -5015,7 +5015,7 @@
             <a:fld id="{68D9E2FD-DC87-8D4F-8AEB-57476BEE4632}" type="slidenum">
               <a:rPr lang="it-IT" altLang="it-IT"/>
               <a:pPr/>
-              <a:t>‹N›</a:t>
+              <a:t>‹#›</a:t>
             </a:fld>
             <a:endParaRPr lang="it-IT" altLang="it-IT"/>
           </a:p>
@@ -5246,7 +5246,7 @@
             <a:fld id="{B5A95B49-3A80-C64D-8043-9C5331883486}" type="slidenum">
               <a:rPr lang="it-IT" altLang="it-IT"/>
               <a:pPr/>
-              <a:t>‹N›</a:t>
+              <a:t>‹#›</a:t>
             </a:fld>
             <a:endParaRPr lang="it-IT" altLang="it-IT"/>
           </a:p>
@@ -5624,7 +5624,7 @@
             <a:fld id="{4EA587D9-62EE-9F4A-ADE9-F633C923A371}" type="slidenum">
               <a:rPr lang="it-IT" altLang="it-IT"/>
               <a:pPr/>
-              <a:t>‹N›</a:t>
+              <a:t>‹#›</a:t>
             </a:fld>
             <a:endParaRPr lang="it-IT" altLang="it-IT"/>
           </a:p>
@@ -5787,7 +5787,7 @@
             <a:fld id="{4CB97F5D-5838-A246-B549-FE9DA7615593}" type="slidenum">
               <a:rPr lang="it-IT" altLang="it-IT"/>
               <a:pPr/>
-              <a:t>‹N›</a:t>
+              <a:t>‹#›</a:t>
             </a:fld>
             <a:endParaRPr lang="it-IT" altLang="it-IT"/>
           </a:p>
@@ -5921,7 +5921,7 @@
             <a:fld id="{8FE416E0-39B1-6044-8C56-DD54B777F41D}" type="slidenum">
               <a:rPr lang="it-IT" altLang="it-IT"/>
               <a:pPr/>
-              <a:t>‹N›</a:t>
+              <a:t>‹#›</a:t>
             </a:fld>
             <a:endParaRPr lang="it-IT" altLang="it-IT"/>
           </a:p>
@@ -6226,7 +6226,7 @@
             <a:fld id="{8F803B0B-48B2-2841-8D79-8E62E3EBEE5A}" type="slidenum">
               <a:rPr lang="it-IT" altLang="it-IT"/>
               <a:pPr/>
-              <a:t>‹N›</a:t>
+              <a:t>‹#›</a:t>
             </a:fld>
             <a:endParaRPr lang="it-IT" altLang="it-IT"/>
           </a:p>
@@ -6540,7 +6540,7 @@
             <a:fld id="{C251AD9B-972D-B541-8743-416A464940E5}" type="slidenum">
               <a:rPr lang="it-IT" altLang="it-IT"/>
               <a:pPr/>
-              <a:t>‹N›</a:t>
+              <a:t>‹#›</a:t>
             </a:fld>
             <a:endParaRPr lang="it-IT" altLang="it-IT"/>
           </a:p>
@@ -7064,7 +7064,7 @@
             <a:fld id="{2EA435C3-7509-7446-9E84-9A1C9EC7E3DF}" type="slidenum">
               <a:rPr lang="it-IT" altLang="it-IT"/>
               <a:pPr/>
-              <a:t>‹N›</a:t>
+              <a:t>‹#›</a:t>
             </a:fld>
             <a:endParaRPr lang="it-IT" altLang="it-IT"/>
           </a:p>
@@ -8002,15 +8002,7 @@
             </a:r>
             <a:r>
               <a:rPr lang="en-US" dirty="0"/>
-              <a:t>, </a:t>
-            </a:r>
-            <a:r>
-              <a:rPr lang="en-US" dirty="0" err="1"/>
-              <a:t>aspet</a:t>
-            </a:r>
-            <a:r>
-              <a:rPr lang="en-US" dirty="0"/>
-              <a:t> ratio, </a:t>
+              <a:t>, aspect ratio, </a:t>
             </a:r>
             <a:r>
               <a:rPr lang="en-US" dirty="0" err="1"/>
@@ -24560,6 +24552,79 @@
                                   </p:childTnLst>
                                 </p:cTn>
                               </p:par>
+                              <p:par>
+                                <p:cTn id="9" presetID="2" presetClass="entr" presetSubtype="4" fill="hold" nodeType="withEffect">
+                                  <p:stCondLst>
+                                    <p:cond delay="0"/>
+                                  </p:stCondLst>
+                                  <p:childTnLst>
+                                    <p:set>
+                                      <p:cBhvr>
+                                        <p:cTn id="10" dur="1" fill="hold">
+                                          <p:stCondLst>
+                                            <p:cond delay="0"/>
+                                          </p:stCondLst>
+                                        </p:cTn>
+                                        <p:tgtEl>
+                                          <p:spTgt spid="8"/>
+                                        </p:tgtEl>
+                                        <p:attrNameLst>
+                                          <p:attrName>style.visibility</p:attrName>
+                                        </p:attrNameLst>
+                                      </p:cBhvr>
+                                      <p:to>
+                                        <p:strVal val="visible"/>
+                                      </p:to>
+                                    </p:set>
+                                    <p:anim calcmode="lin" valueType="num">
+                                      <p:cBhvr additive="base">
+                                        <p:cTn id="11" dur="500" fill="hold"/>
+                                        <p:tgtEl>
+                                          <p:spTgt spid="8"/>
+                                        </p:tgtEl>
+                                        <p:attrNameLst>
+                                          <p:attrName>ppt_x</p:attrName>
+                                        </p:attrNameLst>
+                                      </p:cBhvr>
+                                      <p:tavLst>
+                                        <p:tav tm="0">
+                                          <p:val>
+                                            <p:strVal val="#ppt_x"/>
+                                          </p:val>
+                                        </p:tav>
+                                        <p:tav tm="100000">
+                                          <p:val>
+                                            <p:strVal val="#ppt_x"/>
+                                          </p:val>
+                                        </p:tav>
+                                      </p:tavLst>
+                                    </p:anim>
+                                    <p:anim calcmode="lin" valueType="num">
+                                      <p:cBhvr additive="base">
+                                        <p:cTn id="12" dur="500" fill="hold"/>
+                                        <p:tgtEl>
+                                          <p:spTgt spid="8"/>
+                                        </p:tgtEl>
+                                        <p:attrNameLst>
+                                          <p:attrName>ppt_y</p:attrName>
+                                        </p:attrNameLst>
+                                      </p:cBhvr>
+                                      <p:tavLst>
+                                        <p:tav tm="0">
+                                          <p:val>
+                                            <p:strVal val="1+#ppt_h/2"/>
+                                          </p:val>
+                                        </p:tav>
+                                        <p:tav tm="100000">
+                                          <p:val>
+                                            <p:strVal val="#ppt_y"/>
+                                          </p:val>
+                                        </p:tav>
+                                      </p:tavLst>
+                                    </p:anim>
+                                  </p:childTnLst>
+                                </p:cTn>
+                              </p:par>
                             </p:childTnLst>
                           </p:cTn>
                         </p:par>
@@ -24860,6 +24925,9 @@
                     <p:cTn id="3" fill="hold">
                       <p:stCondLst>
                         <p:cond delay="indefinite"/>
+                        <p:cond evt="onBegin" delay="0">
+                          <p:tn val="2"/>
+                        </p:cond>
                       </p:stCondLst>
                       <p:childTnLst>
                         <p:par>
@@ -24869,7 +24937,7 @@
                             </p:stCondLst>
                             <p:childTnLst>
                               <p:par>
-                                <p:cTn id="5" presetID="2" presetClass="entr" presetSubtype="4" fill="hold" grpId="0" nodeType="clickEffect">
+                                <p:cTn id="5" presetID="2" presetClass="entr" presetSubtype="4" fill="hold" nodeType="withEffect">
                                   <p:stCondLst>
                                     <p:cond delay="0"/>
                                   </p:stCondLst>
@@ -24882,11 +24950,7 @@
                                           </p:stCondLst>
                                         </p:cTn>
                                         <p:tgtEl>
-                                          <p:spTgt spid="3">
-                                            <p:txEl>
-                                              <p:pRg st="0" end="0"/>
-                                            </p:txEl>
-                                          </p:spTgt>
+                                          <p:spTgt spid="9"/>
                                         </p:tgtEl>
                                         <p:attrNameLst>
                                           <p:attrName>style.visibility</p:attrName>
@@ -24900,11 +24964,7 @@
                                       <p:cBhvr additive="base">
                                         <p:cTn id="7" dur="500" fill="hold"/>
                                         <p:tgtEl>
-                                          <p:spTgt spid="3">
-                                            <p:txEl>
-                                              <p:pRg st="0" end="0"/>
-                                            </p:txEl>
-                                          </p:spTgt>
+                                          <p:spTgt spid="9"/>
                                         </p:tgtEl>
                                         <p:attrNameLst>
                                           <p:attrName>ppt_x</p:attrName>
@@ -24927,11 +24987,7 @@
                                       <p:cBhvr additive="base">
                                         <p:cTn id="8" dur="500" fill="hold"/>
                                         <p:tgtEl>
-                                          <p:spTgt spid="3">
-                                            <p:txEl>
-                                              <p:pRg st="0" end="0"/>
-                                            </p:txEl>
-                                          </p:spTgt>
+                                          <p:spTgt spid="9"/>
                                         </p:tgtEl>
                                         <p:attrNameLst>
                                           <p:attrName>ppt_y</p:attrName>
@@ -24987,7 +25043,7 @@
                                         <p:tgtEl>
                                           <p:spTgt spid="3">
                                             <p:txEl>
-                                              <p:pRg st="1" end="1"/>
+                                              <p:pRg st="0" end="0"/>
                                             </p:txEl>
                                           </p:spTgt>
                                         </p:tgtEl>
@@ -25005,7 +25061,7 @@
                                         <p:tgtEl>
                                           <p:spTgt spid="3">
                                             <p:txEl>
-                                              <p:pRg st="1" end="1"/>
+                                              <p:pRg st="0" end="0"/>
                                             </p:txEl>
                                           </p:spTgt>
                                         </p:tgtEl>
@@ -25032,7 +25088,7 @@
                                         <p:tgtEl>
                                           <p:spTgt spid="3">
                                             <p:txEl>
-                                              <p:pRg st="1" end="1"/>
+                                              <p:pRg st="0" end="0"/>
                                             </p:txEl>
                                           </p:spTgt>
                                         </p:tgtEl>
@@ -25090,6 +25146,109 @@
                                         <p:tgtEl>
                                           <p:spTgt spid="3">
                                             <p:txEl>
+                                              <p:pRg st="1" end="1"/>
+                                            </p:txEl>
+                                          </p:spTgt>
+                                        </p:tgtEl>
+                                        <p:attrNameLst>
+                                          <p:attrName>style.visibility</p:attrName>
+                                        </p:attrNameLst>
+                                      </p:cBhvr>
+                                      <p:to>
+                                        <p:strVal val="visible"/>
+                                      </p:to>
+                                    </p:set>
+                                    <p:anim calcmode="lin" valueType="num">
+                                      <p:cBhvr additive="base">
+                                        <p:cTn id="19" dur="500" fill="hold"/>
+                                        <p:tgtEl>
+                                          <p:spTgt spid="3">
+                                            <p:txEl>
+                                              <p:pRg st="1" end="1"/>
+                                            </p:txEl>
+                                          </p:spTgt>
+                                        </p:tgtEl>
+                                        <p:attrNameLst>
+                                          <p:attrName>ppt_x</p:attrName>
+                                        </p:attrNameLst>
+                                      </p:cBhvr>
+                                      <p:tavLst>
+                                        <p:tav tm="0">
+                                          <p:val>
+                                            <p:strVal val="#ppt_x"/>
+                                          </p:val>
+                                        </p:tav>
+                                        <p:tav tm="100000">
+                                          <p:val>
+                                            <p:strVal val="#ppt_x"/>
+                                          </p:val>
+                                        </p:tav>
+                                      </p:tavLst>
+                                    </p:anim>
+                                    <p:anim calcmode="lin" valueType="num">
+                                      <p:cBhvr additive="base">
+                                        <p:cTn id="20" dur="500" fill="hold"/>
+                                        <p:tgtEl>
+                                          <p:spTgt spid="3">
+                                            <p:txEl>
+                                              <p:pRg st="1" end="1"/>
+                                            </p:txEl>
+                                          </p:spTgt>
+                                        </p:tgtEl>
+                                        <p:attrNameLst>
+                                          <p:attrName>ppt_y</p:attrName>
+                                        </p:attrNameLst>
+                                      </p:cBhvr>
+                                      <p:tavLst>
+                                        <p:tav tm="0">
+                                          <p:val>
+                                            <p:strVal val="1+#ppt_h/2"/>
+                                          </p:val>
+                                        </p:tav>
+                                        <p:tav tm="100000">
+                                          <p:val>
+                                            <p:strVal val="#ppt_y"/>
+                                          </p:val>
+                                        </p:tav>
+                                      </p:tavLst>
+                                    </p:anim>
+                                  </p:childTnLst>
+                                </p:cTn>
+                              </p:par>
+                            </p:childTnLst>
+                          </p:cTn>
+                        </p:par>
+                      </p:childTnLst>
+                    </p:cTn>
+                  </p:par>
+                  <p:par>
+                    <p:cTn id="21" fill="hold">
+                      <p:stCondLst>
+                        <p:cond delay="indefinite"/>
+                      </p:stCondLst>
+                      <p:childTnLst>
+                        <p:par>
+                          <p:cTn id="22" fill="hold">
+                            <p:stCondLst>
+                              <p:cond delay="0"/>
+                            </p:stCondLst>
+                            <p:childTnLst>
+                              <p:par>
+                                <p:cTn id="23" presetID="2" presetClass="entr" presetSubtype="4" fill="hold" grpId="0" nodeType="clickEffect">
+                                  <p:stCondLst>
+                                    <p:cond delay="0"/>
+                                  </p:stCondLst>
+                                  <p:childTnLst>
+                                    <p:set>
+                                      <p:cBhvr>
+                                        <p:cTn id="24" dur="1" fill="hold">
+                                          <p:stCondLst>
+                                            <p:cond delay="0"/>
+                                          </p:stCondLst>
+                                        </p:cTn>
+                                        <p:tgtEl>
+                                          <p:spTgt spid="3">
+                                            <p:txEl>
                                               <p:pRg st="2" end="2"/>
                                             </p:txEl>
                                           </p:spTgt>
@@ -25104,7 +25263,7 @@
                                     </p:set>
                                     <p:anim calcmode="lin" valueType="num">
                                       <p:cBhvr additive="base">
-                                        <p:cTn id="19" dur="500" fill="hold"/>
+                                        <p:cTn id="25" dur="500" fill="hold"/>
                                         <p:tgtEl>
                                           <p:spTgt spid="3">
                                             <p:txEl>
@@ -25131,7 +25290,7 @@
                                     </p:anim>
                                     <p:anim calcmode="lin" valueType="num">
                                       <p:cBhvr additive="base">
-                                        <p:cTn id="20" dur="500" fill="hold"/>
+                                        <p:cTn id="26" dur="500" fill="hold"/>
                                         <p:tgtEl>
                                           <p:spTgt spid="3">
                                             <p:txEl>

--- a/Siamese Networks and Image Verification.pptx
+++ b/Siamese Networks and Image Verification.pptx
@@ -489,7 +489,7 @@
             <a:fld id="{DC2121CD-E55E-B040-94A4-45A10BF7042E}" type="slidenum">
               <a:rPr lang="it-IT" altLang="it-IT"/>
               <a:pPr/>
-              <a:t>‹#›</a:t>
+              <a:t>‹N›</a:t>
             </a:fld>
             <a:endParaRPr lang="it-IT" altLang="it-IT"/>
           </a:p>
@@ -939,7 +939,7 @@
             <a:fld id="{EF1345C3-B1F9-A84F-A222-E81E7E9EAF08}" type="slidenum">
               <a:rPr lang="it-IT" altLang="it-IT"/>
               <a:pPr/>
-              <a:t>‹#›</a:t>
+              <a:t>‹N›</a:t>
             </a:fld>
             <a:endParaRPr lang="it-IT" altLang="it-IT"/>
           </a:p>
@@ -3431,7 +3431,7 @@
             <a:fld id="{FEBF2029-114C-0D43-8C35-19F9021EEC9A}" type="datetime1">
               <a:rPr lang="it-IT" altLang="it-IT"/>
               <a:pPr/>
-              <a:t>23/06/2019</a:t>
+              <a:t>24/06/19</a:t>
             </a:fld>
             <a:endParaRPr lang="it-IT" altLang="it-IT"/>
           </a:p>
@@ -3501,7 +3501,7 @@
             <a:fld id="{C55A76E4-D6BE-554D-89CA-11081D4A1CDD}" type="slidenum">
               <a:rPr lang="it-IT" altLang="it-IT"/>
               <a:pPr/>
-              <a:t>‹#›</a:t>
+              <a:t>‹N›</a:t>
             </a:fld>
             <a:endParaRPr lang="it-IT" altLang="it-IT"/>
           </a:p>
@@ -3623,7 +3623,7 @@
             <a:fld id="{2FCC8F5B-DF4F-2344-8691-F6C6B3286064}" type="datetime1">
               <a:rPr lang="it-IT" altLang="it-IT"/>
               <a:pPr/>
-              <a:t>23/06/2019</a:t>
+              <a:t>24/06/19</a:t>
             </a:fld>
             <a:endParaRPr lang="it-IT" altLang="it-IT"/>
           </a:p>
@@ -3693,7 +3693,7 @@
             <a:fld id="{2C12129C-65FD-B642-A176-B3EBAFDF0BF8}" type="slidenum">
               <a:rPr lang="it-IT" altLang="it-IT"/>
               <a:pPr/>
-              <a:t>‹#›</a:t>
+              <a:t>‹N›</a:t>
             </a:fld>
             <a:endParaRPr lang="it-IT" altLang="it-IT"/>
           </a:p>
@@ -3825,7 +3825,7 @@
             <a:fld id="{2435388F-952C-F140-A1D8-E49780A02D7E}" type="datetime1">
               <a:rPr lang="it-IT" altLang="it-IT"/>
               <a:pPr/>
-              <a:t>23/06/2019</a:t>
+              <a:t>24/06/19</a:t>
             </a:fld>
             <a:endParaRPr lang="it-IT" altLang="it-IT"/>
           </a:p>
@@ -3895,7 +3895,7 @@
             <a:fld id="{E1B24A4E-A9CC-064E-B0CF-B9455740B208}" type="slidenum">
               <a:rPr lang="it-IT" altLang="it-IT"/>
               <a:pPr/>
-              <a:t>‹#›</a:t>
+              <a:t>‹N›</a:t>
             </a:fld>
             <a:endParaRPr lang="it-IT" altLang="it-IT"/>
           </a:p>
@@ -4066,7 +4066,7 @@
             <a:fld id="{C9CD4B5B-BA4F-DA46-AF47-8282D6C4A48D}" type="datetime1">
               <a:rPr lang="it-IT" altLang="it-IT"/>
               <a:pPr/>
-              <a:t>23/06/2019</a:t>
+              <a:t>24/06/19</a:t>
             </a:fld>
             <a:endParaRPr lang="it-IT" altLang="it-IT"/>
           </a:p>
@@ -4146,7 +4146,7 @@
             <a:fld id="{9CF514E8-D021-7A48-B9E1-A697529F0D69}" type="slidenum">
               <a:rPr lang="it-IT" altLang="it-IT"/>
               <a:pPr/>
-              <a:t>‹#›</a:t>
+              <a:t>‹N›</a:t>
             </a:fld>
             <a:endParaRPr lang="it-IT" altLang="it-IT"/>
           </a:p>
@@ -4283,7 +4283,7 @@
             <a:fld id="{CBD5AA7D-B959-2747-9666-16F3E8DED4A1}" type="datetime1">
               <a:rPr lang="it-IT" altLang="it-IT"/>
               <a:pPr/>
-              <a:t>23/06/2019</a:t>
+              <a:t>24/06/19</a:t>
             </a:fld>
             <a:endParaRPr lang="it-IT" altLang="it-IT"/>
           </a:p>
@@ -4363,7 +4363,7 @@
             <a:fld id="{C80DD478-AD95-0C45-9ACC-2D494CE0F076}" type="slidenum">
               <a:rPr lang="it-IT" altLang="it-IT"/>
               <a:pPr/>
-              <a:t>‹#›</a:t>
+              <a:t>‹N›</a:t>
             </a:fld>
             <a:endParaRPr lang="it-IT" altLang="it-IT"/>
           </a:p>
@@ -4500,7 +4500,7 @@
             <a:fld id="{8B7C6A53-70DA-FC40-91A5-C457840C5E61}" type="datetime1">
               <a:rPr lang="it-IT" altLang="it-IT"/>
               <a:pPr/>
-              <a:t>23/06/2019</a:t>
+              <a:t>24/06/19</a:t>
             </a:fld>
             <a:endParaRPr lang="it-IT" altLang="it-IT"/>
           </a:p>
@@ -4580,7 +4580,7 @@
             <a:fld id="{FC69B914-81C1-894C-9201-64B9B89F632C}" type="slidenum">
               <a:rPr lang="it-IT" altLang="it-IT"/>
               <a:pPr/>
-              <a:t>‹#›</a:t>
+              <a:t>‹N›</a:t>
             </a:fld>
             <a:endParaRPr lang="it-IT" altLang="it-IT"/>
           </a:p>
@@ -4702,7 +4702,7 @@
             <a:fld id="{5FE27D20-0B32-5D45-9A0B-0C7CC0271879}" type="datetime1">
               <a:rPr lang="it-IT" altLang="it-IT"/>
               <a:pPr/>
-              <a:t>23/06/2019</a:t>
+              <a:t>24/06/19</a:t>
             </a:fld>
             <a:endParaRPr lang="it-IT" altLang="it-IT"/>
           </a:p>
@@ -4772,7 +4772,7 @@
             <a:fld id="{0CD1DD89-1A4C-6748-9429-7F2332777A4D}" type="slidenum">
               <a:rPr lang="it-IT" altLang="it-IT"/>
               <a:pPr/>
-              <a:t>‹#›</a:t>
+              <a:t>‹N›</a:t>
             </a:fld>
             <a:endParaRPr lang="it-IT" altLang="it-IT"/>
           </a:p>
@@ -4945,7 +4945,7 @@
             <a:fld id="{11920B5F-69EE-AC48-9DF3-98215AFAB723}" type="datetime1">
               <a:rPr lang="it-IT" altLang="it-IT"/>
               <a:pPr/>
-              <a:t>23/06/2019</a:t>
+              <a:t>24/06/19</a:t>
             </a:fld>
             <a:endParaRPr lang="it-IT" altLang="it-IT"/>
           </a:p>
@@ -5015,7 +5015,7 @@
             <a:fld id="{68D9E2FD-DC87-8D4F-8AEB-57476BEE4632}" type="slidenum">
               <a:rPr lang="it-IT" altLang="it-IT"/>
               <a:pPr/>
-              <a:t>‹#›</a:t>
+              <a:t>‹N›</a:t>
             </a:fld>
             <a:endParaRPr lang="it-IT" altLang="it-IT"/>
           </a:p>
@@ -5176,7 +5176,7 @@
             <a:fld id="{FB8C070B-B5FF-3D45-AAB5-DF9925D634F2}" type="datetime1">
               <a:rPr lang="it-IT" altLang="it-IT"/>
               <a:pPr/>
-              <a:t>23/06/2019</a:t>
+              <a:t>24/06/19</a:t>
             </a:fld>
             <a:endParaRPr lang="it-IT" altLang="it-IT"/>
           </a:p>
@@ -5246,7 +5246,7 @@
             <a:fld id="{B5A95B49-3A80-C64D-8043-9C5331883486}" type="slidenum">
               <a:rPr lang="it-IT" altLang="it-IT"/>
               <a:pPr/>
-              <a:t>‹#›</a:t>
+              <a:t>‹N›</a:t>
             </a:fld>
             <a:endParaRPr lang="it-IT" altLang="it-IT"/>
           </a:p>
@@ -5554,7 +5554,7 @@
             <a:fld id="{A9805388-1E69-C94F-9601-9CB9579F1E2D}" type="datetime1">
               <a:rPr lang="it-IT" altLang="it-IT"/>
               <a:pPr/>
-              <a:t>23/06/2019</a:t>
+              <a:t>24/06/19</a:t>
             </a:fld>
             <a:endParaRPr lang="it-IT" altLang="it-IT"/>
           </a:p>
@@ -5624,7 +5624,7 @@
             <a:fld id="{4EA587D9-62EE-9F4A-ADE9-F633C923A371}" type="slidenum">
               <a:rPr lang="it-IT" altLang="it-IT"/>
               <a:pPr/>
-              <a:t>‹#›</a:t>
+              <a:t>‹N›</a:t>
             </a:fld>
             <a:endParaRPr lang="it-IT" altLang="it-IT"/>
           </a:p>
@@ -5717,7 +5717,7 @@
             <a:fld id="{E56399B9-51A3-6341-8637-B4361467B9D4}" type="datetime1">
               <a:rPr lang="it-IT" altLang="it-IT"/>
               <a:pPr/>
-              <a:t>23/06/2019</a:t>
+              <a:t>24/06/19</a:t>
             </a:fld>
             <a:endParaRPr lang="it-IT" altLang="it-IT"/>
           </a:p>
@@ -5787,7 +5787,7 @@
             <a:fld id="{4CB97F5D-5838-A246-B549-FE9DA7615593}" type="slidenum">
               <a:rPr lang="it-IT" altLang="it-IT"/>
               <a:pPr/>
-              <a:t>‹#›</a:t>
+              <a:t>‹N›</a:t>
             </a:fld>
             <a:endParaRPr lang="it-IT" altLang="it-IT"/>
           </a:p>
@@ -5851,7 +5851,7 @@
             <a:fld id="{47E61D4D-DCE6-634F-B82F-5301E4C98B21}" type="datetime1">
               <a:rPr lang="it-IT" altLang="it-IT"/>
               <a:pPr/>
-              <a:t>23/06/2019</a:t>
+              <a:t>24/06/19</a:t>
             </a:fld>
             <a:endParaRPr lang="it-IT" altLang="it-IT"/>
           </a:p>
@@ -5921,7 +5921,7 @@
             <a:fld id="{8FE416E0-39B1-6044-8C56-DD54B777F41D}" type="slidenum">
               <a:rPr lang="it-IT" altLang="it-IT"/>
               <a:pPr/>
-              <a:t>‹#›</a:t>
+              <a:t>‹N›</a:t>
             </a:fld>
             <a:endParaRPr lang="it-IT" altLang="it-IT"/>
           </a:p>
@@ -6156,7 +6156,7 @@
             <a:fld id="{BD246FCE-8122-C54A-9FAA-3BD1192FA1C2}" type="datetime1">
               <a:rPr lang="it-IT" altLang="it-IT"/>
               <a:pPr/>
-              <a:t>23/06/2019</a:t>
+              <a:t>24/06/19</a:t>
             </a:fld>
             <a:endParaRPr lang="it-IT" altLang="it-IT"/>
           </a:p>
@@ -6226,7 +6226,7 @@
             <a:fld id="{8F803B0B-48B2-2841-8D79-8E62E3EBEE5A}" type="slidenum">
               <a:rPr lang="it-IT" altLang="it-IT"/>
               <a:pPr/>
-              <a:t>‹#›</a:t>
+              <a:t>‹N›</a:t>
             </a:fld>
             <a:endParaRPr lang="it-IT" altLang="it-IT"/>
           </a:p>
@@ -6470,7 +6470,7 @@
             <a:fld id="{89C8988E-3A3E-AA46-B902-CB4C32B9017D}" type="datetime1">
               <a:rPr lang="it-IT" altLang="it-IT"/>
               <a:pPr/>
-              <a:t>23/06/2019</a:t>
+              <a:t>24/06/19</a:t>
             </a:fld>
             <a:endParaRPr lang="it-IT" altLang="it-IT"/>
           </a:p>
@@ -6540,7 +6540,7 @@
             <a:fld id="{C251AD9B-972D-B541-8743-416A464940E5}" type="slidenum">
               <a:rPr lang="it-IT" altLang="it-IT"/>
               <a:pPr/>
-              <a:t>‹#›</a:t>
+              <a:t>‹N›</a:t>
             </a:fld>
             <a:endParaRPr lang="it-IT" altLang="it-IT"/>
           </a:p>
@@ -6924,7 +6924,7 @@
             <a:fld id="{E707E7C3-6E4C-D24B-B1E3-08759D1DD5E9}" type="datetime1">
               <a:rPr lang="it-IT" altLang="it-IT"/>
               <a:pPr/>
-              <a:t>23/06/2019</a:t>
+              <a:t>24/06/19</a:t>
             </a:fld>
             <a:endParaRPr lang="it-IT" altLang="it-IT"/>
           </a:p>
@@ -7064,7 +7064,7 @@
             <a:fld id="{2EA435C3-7509-7446-9E84-9A1C9EC7E3DF}" type="slidenum">
               <a:rPr lang="it-IT" altLang="it-IT"/>
               <a:pPr/>
-              <a:t>‹#›</a:t>
+              <a:t>‹N›</a:t>
             </a:fld>
             <a:endParaRPr lang="it-IT" altLang="it-IT"/>
           </a:p>
@@ -8128,7 +8128,7 @@
             <a:fld id="{89C8988E-3A3E-AA46-B902-CB4C32B9017D}" type="datetime1">
               <a:rPr lang="it-IT" altLang="it-IT" smtClean="0"/>
               <a:pPr/>
-              <a:t>23/06/2019</a:t>
+              <a:t>24/06/19</a:t>
             </a:fld>
             <a:endParaRPr lang="it-IT" altLang="it-IT"/>
           </a:p>
@@ -8156,9 +8156,14 @@
           <a:lstStyle/>
           <a:p>
             <a:r>
-              <a:rPr lang="it-IT" altLang="it-IT"/>
-              <a:t>Titolo Presentazione</a:t>
-            </a:r>
+              <a:rPr lang="it-IT" altLang="it-IT" dirty="0"/>
+              <a:t>Siamese Networks and Image </a:t>
+            </a:r>
+            <a:r>
+              <a:rPr lang="it-IT" altLang="it-IT" dirty="0" err="1"/>
+              <a:t>Verification</a:t>
+            </a:r>
+            <a:endParaRPr lang="it-IT" altLang="it-IT" dirty="0"/>
           </a:p>
         </p:txBody>
       </p:sp>
@@ -10215,7 +10220,7 @@
             <a:fld id="{FB8C070B-B5FF-3D45-AAB5-DF9925D634F2}" type="datetime1">
               <a:rPr lang="it-IT" altLang="it-IT" smtClean="0"/>
               <a:pPr/>
-              <a:t>23/06/2019</a:t>
+              <a:t>24/06/19</a:t>
             </a:fld>
             <a:endParaRPr lang="it-IT" altLang="it-IT"/>
           </a:p>
@@ -10243,9 +10248,14 @@
           <a:lstStyle/>
           <a:p>
             <a:r>
-              <a:rPr lang="it-IT" altLang="it-IT"/>
-              <a:t>Titolo Presentazione</a:t>
-            </a:r>
+              <a:rPr lang="it-IT" altLang="it-IT" dirty="0"/>
+              <a:t>Siamese Networks and Image </a:t>
+            </a:r>
+            <a:r>
+              <a:rPr lang="it-IT" altLang="it-IT" dirty="0" err="1"/>
+              <a:t>Verification</a:t>
+            </a:r>
+            <a:endParaRPr lang="it-IT" altLang="it-IT" dirty="0"/>
           </a:p>
         </p:txBody>
       </p:sp>
@@ -11690,7 +11700,7 @@
             <a:fld id="{5FE27D20-0B32-5D45-9A0B-0C7CC0271879}" type="datetime1">
               <a:rPr lang="it-IT" altLang="it-IT" smtClean="0"/>
               <a:pPr/>
-              <a:t>23/06/2019</a:t>
+              <a:t>24/06/19</a:t>
             </a:fld>
             <a:endParaRPr lang="it-IT" altLang="it-IT"/>
           </a:p>
@@ -11718,9 +11728,14 @@
           <a:lstStyle/>
           <a:p>
             <a:r>
-              <a:rPr lang="it-IT" altLang="it-IT"/>
-              <a:t>Titolo Presentazione</a:t>
-            </a:r>
+              <a:rPr lang="it-IT" altLang="it-IT" dirty="0"/>
+              <a:t>Siamese Networks and Image </a:t>
+            </a:r>
+            <a:r>
+              <a:rPr lang="it-IT" altLang="it-IT" dirty="0" err="1"/>
+              <a:t>Verification</a:t>
+            </a:r>
+            <a:endParaRPr lang="it-IT" altLang="it-IT" dirty="0"/>
           </a:p>
         </p:txBody>
       </p:sp>
@@ -12568,7 +12583,7 @@
             <a:fld id="{5FE27D20-0B32-5D45-9A0B-0C7CC0271879}" type="datetime1">
               <a:rPr lang="it-IT" altLang="it-IT" smtClean="0"/>
               <a:pPr/>
-              <a:t>23/06/2019</a:t>
+              <a:t>24/06/19</a:t>
             </a:fld>
             <a:endParaRPr lang="it-IT" altLang="it-IT"/>
           </a:p>
@@ -12596,9 +12611,14 @@
           <a:lstStyle/>
           <a:p>
             <a:r>
-              <a:rPr lang="it-IT" altLang="it-IT"/>
-              <a:t>Titolo Presentazione</a:t>
-            </a:r>
+              <a:rPr lang="it-IT" altLang="it-IT" dirty="0"/>
+              <a:t>Siamese Networks and Image </a:t>
+            </a:r>
+            <a:r>
+              <a:rPr lang="it-IT" altLang="it-IT" dirty="0" err="1"/>
+              <a:t>Verification</a:t>
+            </a:r>
+            <a:endParaRPr lang="it-IT" altLang="it-IT" dirty="0"/>
           </a:p>
         </p:txBody>
       </p:sp>
@@ -13441,7 +13461,7 @@
             <a:fld id="{89C8988E-3A3E-AA46-B902-CB4C32B9017D}" type="datetime1">
               <a:rPr lang="it-IT" altLang="it-IT" smtClean="0"/>
               <a:pPr/>
-              <a:t>23/06/2019</a:t>
+              <a:t>24/06/19</a:t>
             </a:fld>
             <a:endParaRPr lang="it-IT" altLang="it-IT"/>
           </a:p>
@@ -13469,9 +13489,14 @@
           <a:lstStyle/>
           <a:p>
             <a:r>
-              <a:rPr lang="it-IT" altLang="it-IT"/>
-              <a:t>Titolo Presentazione</a:t>
-            </a:r>
+              <a:rPr lang="it-IT" altLang="it-IT" dirty="0"/>
+              <a:t>Siamese Networks and Image </a:t>
+            </a:r>
+            <a:r>
+              <a:rPr lang="it-IT" altLang="it-IT" dirty="0" err="1"/>
+              <a:t>Verification</a:t>
+            </a:r>
+            <a:endParaRPr lang="it-IT" altLang="it-IT" dirty="0"/>
           </a:p>
         </p:txBody>
       </p:sp>
@@ -13904,7 +13929,7 @@
             </a:r>
             <a:r>
               <a:rPr lang="it-IT" altLang="it-IT" dirty="0"/>
-              <a:t> the Network on the wild</a:t>
+              <a:t> della Rete su casi reali</a:t>
             </a:r>
           </a:p>
         </p:txBody>
@@ -13943,52 +13968,16 @@
               <a:buChar char="•"/>
             </a:pPr>
             <a:r>
+              <a:rPr lang="it-IT" altLang="it-IT" sz="2200" dirty="0"/>
+              <a:t>Solitamente, ci sono due modi per testare su casi reali una Rete Neurale </a:t>
+            </a:r>
+            <a:r>
               <a:rPr lang="it-IT" altLang="it-IT" sz="2200" dirty="0" err="1"/>
-              <a:t>Usually</a:t>
+              <a:t>Convoluzionale</a:t>
             </a:r>
             <a:r>
               <a:rPr lang="it-IT" altLang="it-IT" sz="2200" dirty="0"/>
-              <a:t>, </a:t>
-            </a:r>
-            <a:r>
-              <a:rPr lang="it-IT" altLang="it-IT" sz="2200" dirty="0" err="1"/>
-              <a:t>there</a:t>
-            </a:r>
-            <a:r>
-              <a:rPr lang="it-IT" altLang="it-IT" sz="2200" dirty="0"/>
-              <a:t> are </a:t>
-            </a:r>
-            <a:r>
-              <a:rPr lang="it-IT" altLang="it-IT" sz="2200" dirty="0" err="1"/>
-              <a:t>two</a:t>
-            </a:r>
-            <a:r>
-              <a:rPr lang="it-IT" altLang="it-IT" sz="2200" dirty="0"/>
-              <a:t> ways for </a:t>
-            </a:r>
-            <a:r>
-              <a:rPr lang="it-IT" altLang="it-IT" sz="2200" dirty="0" err="1"/>
-              <a:t>testing</a:t>
-            </a:r>
-            <a:r>
-              <a:rPr lang="it-IT" altLang="it-IT" sz="2200" dirty="0"/>
-              <a:t> </a:t>
-            </a:r>
-            <a:r>
-              <a:rPr lang="it-IT" altLang="it-IT" sz="2200" dirty="0" err="1"/>
-              <a:t>Convolutional</a:t>
-            </a:r>
-            <a:r>
-              <a:rPr lang="it-IT" altLang="it-IT" sz="2200" dirty="0"/>
-              <a:t> </a:t>
-            </a:r>
-            <a:r>
-              <a:rPr lang="it-IT" altLang="it-IT" sz="2200" dirty="0" err="1"/>
-              <a:t>Neural</a:t>
-            </a:r>
-            <a:r>
-              <a:rPr lang="it-IT" altLang="it-IT" sz="2200" dirty="0"/>
-              <a:t> Networks on the wild:</a:t>
+              <a:t>:</a:t>
             </a:r>
           </a:p>
           <a:p>
@@ -14016,71 +14005,7 @@
             </a:r>
             <a:r>
               <a:rPr lang="it-IT" sz="1700" dirty="0"/>
-              <a:t>, </a:t>
-            </a:r>
-            <a:r>
-              <a:rPr lang="it-IT" sz="1700" dirty="0" err="1"/>
-              <a:t>meaning</a:t>
-            </a:r>
-            <a:r>
-              <a:rPr lang="it-IT" sz="1700" dirty="0"/>
-              <a:t> </a:t>
-            </a:r>
-            <a:r>
-              <a:rPr lang="it-IT" sz="1700" dirty="0" err="1"/>
-              <a:t>that</a:t>
-            </a:r>
-            <a:r>
-              <a:rPr lang="it-IT" sz="1700" dirty="0"/>
-              <a:t> the Network </a:t>
-            </a:r>
-            <a:r>
-              <a:rPr lang="it-IT" sz="1700" dirty="0" err="1"/>
-              <a:t>will</a:t>
-            </a:r>
-            <a:r>
-              <a:rPr lang="it-IT" sz="1700" dirty="0"/>
-              <a:t> </a:t>
-            </a:r>
-            <a:r>
-              <a:rPr lang="it-IT" sz="1700" dirty="0" err="1"/>
-              <a:t>receive</a:t>
-            </a:r>
-            <a:r>
-              <a:rPr lang="it-IT" sz="1700" dirty="0"/>
-              <a:t> </a:t>
-            </a:r>
-            <a:r>
-              <a:rPr lang="it-IT" sz="1700" dirty="0" err="1"/>
-              <a:t>as</a:t>
-            </a:r>
-            <a:r>
-              <a:rPr lang="it-IT" sz="1700" dirty="0"/>
-              <a:t> an input images </a:t>
-            </a:r>
-            <a:r>
-              <a:rPr lang="it-IT" sz="1700" dirty="0" err="1"/>
-              <a:t>that</a:t>
-            </a:r>
-            <a:r>
-              <a:rPr lang="it-IT" sz="1700" dirty="0"/>
-              <a:t> are </a:t>
-            </a:r>
-            <a:r>
-              <a:rPr lang="it-IT" sz="1700" dirty="0" err="1"/>
-              <a:t>somehow</a:t>
-            </a:r>
-            <a:r>
-              <a:rPr lang="it-IT" sz="1700" dirty="0"/>
-              <a:t> </a:t>
-            </a:r>
-            <a:r>
-              <a:rPr lang="it-IT" sz="1700" dirty="0" err="1"/>
-              <a:t>known</a:t>
-            </a:r>
-            <a:r>
-              <a:rPr lang="it-IT" sz="1700" dirty="0"/>
-              <a:t> to the </a:t>
+              <a:t>, ovvero che la rete riceve in input un’immagine di qualcuno conosciuto al </a:t>
             </a:r>
             <a:r>
               <a:rPr lang="it-IT" sz="1700" dirty="0" err="1"/>
@@ -14088,31 +14013,7 @@
             </a:r>
             <a:r>
               <a:rPr lang="it-IT" sz="1700" dirty="0"/>
-              <a:t> (</a:t>
-            </a:r>
-            <a:r>
-              <a:rPr lang="it-IT" sz="1700" dirty="0" err="1"/>
-              <a:t>hence</a:t>
-            </a:r>
-            <a:r>
-              <a:rPr lang="it-IT" sz="1700" dirty="0"/>
-              <a:t>, to the network </a:t>
-            </a:r>
-            <a:r>
-              <a:rPr lang="it-IT" sz="1700" dirty="0" err="1"/>
-              <a:t>as</a:t>
-            </a:r>
-            <a:r>
-              <a:rPr lang="it-IT" sz="1700" dirty="0"/>
-              <a:t> </a:t>
-            </a:r>
-            <a:r>
-              <a:rPr lang="it-IT" sz="1700" dirty="0" err="1"/>
-              <a:t>well</a:t>
-            </a:r>
-            <a:r>
-              <a:rPr lang="it-IT" sz="1700" dirty="0"/>
-              <a:t>); </a:t>
+              <a:t> (e quindi, anche per la rete)</a:t>
             </a:r>
           </a:p>
           <a:p>
@@ -14126,112 +14027,13 @@
             </a:r>
             <a:r>
               <a:rPr lang="it-IT" sz="1700" dirty="0"/>
-              <a:t>, </a:t>
-            </a:r>
-            <a:r>
-              <a:rPr lang="it-IT" sz="1700" dirty="0" err="1"/>
-              <a:t>meaning</a:t>
-            </a:r>
-            <a:r>
-              <a:rPr lang="it-IT" sz="1700" dirty="0"/>
-              <a:t> </a:t>
-            </a:r>
-            <a:r>
-              <a:rPr lang="it-IT" sz="1700" dirty="0" err="1"/>
-              <a:t>that</a:t>
-            </a:r>
-            <a:r>
-              <a:rPr lang="it-IT" sz="1700" dirty="0"/>
-              <a:t> </a:t>
-            </a:r>
-            <a:r>
-              <a:rPr lang="it-IT" sz="1700" dirty="0" err="1"/>
-              <a:t>our</a:t>
-            </a:r>
-            <a:r>
-              <a:rPr lang="it-IT" sz="1700" dirty="0"/>
-              <a:t> network </a:t>
-            </a:r>
-            <a:r>
-              <a:rPr lang="it-IT" sz="1700" dirty="0" err="1"/>
-              <a:t>could</a:t>
-            </a:r>
-            <a:r>
-              <a:rPr lang="it-IT" sz="1700" dirty="0"/>
-              <a:t> be </a:t>
-            </a:r>
-            <a:r>
-              <a:rPr lang="it-IT" sz="1700" dirty="0" err="1"/>
-              <a:t>tasked</a:t>
-            </a:r>
-            <a:r>
-              <a:rPr lang="it-IT" sz="1700" dirty="0"/>
-              <a:t> to </a:t>
-            </a:r>
-            <a:r>
-              <a:rPr lang="it-IT" sz="1700" dirty="0" err="1"/>
-              <a:t>also</a:t>
-            </a:r>
-            <a:r>
-              <a:rPr lang="it-IT" sz="1700" dirty="0"/>
-              <a:t> </a:t>
-            </a:r>
-            <a:r>
-              <a:rPr lang="it-IT" sz="1700" dirty="0" err="1"/>
-              <a:t>evaluate</a:t>
-            </a:r>
-            <a:r>
-              <a:rPr lang="it-IT" sz="1700" dirty="0"/>
-              <a:t> </a:t>
-            </a:r>
-            <a:r>
-              <a:rPr lang="it-IT" sz="1700" dirty="0" err="1"/>
-              <a:t>samples</a:t>
-            </a:r>
-            <a:r>
-              <a:rPr lang="it-IT" sz="1700" dirty="0"/>
-              <a:t> of </a:t>
-            </a:r>
-            <a:r>
-              <a:rPr lang="it-IT" sz="1700" dirty="0" err="1"/>
-              <a:t>users</a:t>
-            </a:r>
-            <a:r>
-              <a:rPr lang="it-IT" sz="1700" dirty="0"/>
-              <a:t> </a:t>
-            </a:r>
-            <a:r>
-              <a:rPr lang="it-IT" sz="1700" dirty="0" err="1"/>
-              <a:t>which</a:t>
-            </a:r>
-            <a:r>
-              <a:rPr lang="it-IT" sz="1700" dirty="0"/>
-              <a:t> are </a:t>
-            </a:r>
-            <a:r>
-              <a:rPr lang="it-IT" sz="1700" dirty="0" err="1"/>
-              <a:t>not</a:t>
-            </a:r>
-            <a:r>
-              <a:rPr lang="it-IT" sz="1700" dirty="0"/>
-              <a:t> </a:t>
-            </a:r>
-            <a:r>
-              <a:rPr lang="it-IT" sz="1700" dirty="0" err="1"/>
-              <a:t>registered</a:t>
-            </a:r>
-            <a:r>
-              <a:rPr lang="it-IT" sz="1700" dirty="0"/>
-              <a:t> in the </a:t>
+              <a:t>, ovvero che la rete potrebbe avere anche il compito di valutare campioni di utenti che non sono registrati nel </a:t>
             </a:r>
             <a:r>
               <a:rPr lang="it-IT" sz="1700" dirty="0" err="1"/>
               <a:t>dataset</a:t>
             </a:r>
-            <a:r>
-              <a:rPr lang="it-IT" sz="1700" dirty="0"/>
-              <a:t> </a:t>
-            </a:r>
+            <a:endParaRPr lang="it-IT" sz="1700" dirty="0"/>
           </a:p>
           <a:p>
             <a:pPr marL="187325" indent="-187325">
@@ -14252,20 +14054,8 @@
               <a:buChar char="•"/>
             </a:pPr>
             <a:r>
-              <a:rPr lang="it-IT" sz="2000" dirty="0" err="1"/>
-              <a:t>Our</a:t>
-            </a:r>
-            <a:r>
               <a:rPr lang="it-IT" sz="2000" dirty="0"/>
-              <a:t> focus </a:t>
-            </a:r>
-            <a:r>
-              <a:rPr lang="it-IT" sz="2000" dirty="0" err="1"/>
-              <a:t>will</a:t>
-            </a:r>
-            <a:r>
-              <a:rPr lang="it-IT" sz="2000" dirty="0"/>
-              <a:t> be on the </a:t>
+              <a:t>Il nostro focus sarà sulla </a:t>
             </a:r>
             <a:r>
               <a:rPr lang="it-IT" sz="2000" b="1" dirty="0" err="1"/>
@@ -14276,115 +14066,21 @@
               <a:t> with Multiple Templates: </a:t>
             </a:r>
             <a:r>
+              <a:rPr lang="it-IT" sz="2000" dirty="0"/>
+              <a:t>ciò significa che la rete dovrà fare un match con i </a:t>
+            </a:r>
+            <a:r>
               <a:rPr lang="it-IT" sz="2000" dirty="0" err="1"/>
-              <a:t>this</a:t>
+              <a:t>template</a:t>
             </a:r>
             <a:r>
               <a:rPr lang="it-IT" sz="2000" dirty="0"/>
-              <a:t> </a:t>
-            </a:r>
-            <a:r>
-              <a:rPr lang="it-IT" sz="2000" dirty="0" err="1"/>
-              <a:t>means</a:t>
-            </a:r>
-            <a:r>
-              <a:rPr lang="it-IT" sz="2000" dirty="0"/>
-              <a:t> </a:t>
-            </a:r>
-            <a:r>
-              <a:rPr lang="it-IT" sz="2000" dirty="0" err="1"/>
-              <a:t>that</a:t>
-            </a:r>
-            <a:r>
-              <a:rPr lang="it-IT" sz="2000" dirty="0"/>
-              <a:t> the network </a:t>
-            </a:r>
-            <a:r>
-              <a:rPr lang="it-IT" sz="2000" dirty="0" err="1"/>
-              <a:t>will</a:t>
-            </a:r>
-            <a:r>
-              <a:rPr lang="it-IT" sz="2000" dirty="0"/>
-              <a:t> </a:t>
-            </a:r>
-            <a:r>
-              <a:rPr lang="it-IT" sz="2000" dirty="0" err="1"/>
-              <a:t>have</a:t>
-            </a:r>
-            <a:r>
-              <a:rPr lang="it-IT" sz="2000" dirty="0"/>
-              <a:t> to </a:t>
-            </a:r>
-            <a:r>
-              <a:rPr lang="it-IT" sz="2000" dirty="0" err="1"/>
-              <a:t>make</a:t>
-            </a:r>
-            <a:r>
-              <a:rPr lang="it-IT" sz="2000" dirty="0"/>
-              <a:t> a match of a </a:t>
-            </a:r>
-            <a:r>
-              <a:rPr lang="it-IT" sz="2000" dirty="0" err="1"/>
-              <a:t>person</a:t>
-            </a:r>
-            <a:r>
-              <a:rPr lang="it-IT" sz="2000" dirty="0"/>
-              <a:t> </a:t>
-            </a:r>
-            <a:r>
-              <a:rPr lang="it-IT" sz="2000" dirty="0" err="1"/>
-              <a:t>against</a:t>
-            </a:r>
-            <a:r>
-              <a:rPr lang="it-IT" sz="2000" dirty="0"/>
-              <a:t> </a:t>
-            </a:r>
-            <a:r>
-              <a:rPr lang="it-IT" sz="2000" dirty="0" err="1"/>
-              <a:t>his</a:t>
-            </a:r>
-            <a:r>
-              <a:rPr lang="it-IT" sz="2000" dirty="0"/>
-              <a:t>/</a:t>
-            </a:r>
-            <a:r>
-              <a:rPr lang="it-IT" sz="2000" dirty="0" err="1"/>
-              <a:t>her</a:t>
-            </a:r>
-            <a:r>
-              <a:rPr lang="it-IT" sz="2000" dirty="0"/>
-              <a:t> </a:t>
-            </a:r>
-            <a:r>
-              <a:rPr lang="it-IT" sz="2000" dirty="0" err="1"/>
-              <a:t>stored</a:t>
-            </a:r>
-            <a:r>
-              <a:rPr lang="it-IT" sz="2000" dirty="0"/>
-              <a:t> </a:t>
-            </a:r>
-            <a:r>
-              <a:rPr lang="it-IT" sz="2000" dirty="0" err="1"/>
-              <a:t>templates</a:t>
-            </a:r>
-            <a:r>
-              <a:rPr lang="it-IT" sz="2000" dirty="0"/>
-              <a:t> on the </a:t>
+              <a:t> delle persone contenuti nel </a:t>
             </a:r>
             <a:r>
               <a:rPr lang="it-IT" sz="2000" dirty="0" err="1"/>
               <a:t>dataset</a:t>
             </a:r>
-            <a:endParaRPr lang="it-IT" sz="2000" dirty="0"/>
-          </a:p>
-          <a:p>
-            <a:pPr marL="187325" indent="-187325">
-              <a:lnSpc>
-                <a:spcPct val="140000"/>
-              </a:lnSpc>
-              <a:buFont typeface="Times" pitchFamily="2" charset="0"/>
-              <a:buChar char="•"/>
-            </a:pPr>
             <a:endParaRPr lang="it-IT" altLang="it-IT" sz="2200" dirty="0"/>
           </a:p>
           <a:p>
@@ -15173,16 +14869,13 @@
           <a:p>
             <a:r>
               <a:rPr lang="it-IT" altLang="it-IT" dirty="0"/>
-              <a:t>K-Core </a:t>
+              <a:t>Siamese Networks and Image </a:t>
             </a:r>
             <a:r>
               <a:rPr lang="it-IT" altLang="it-IT" dirty="0" err="1"/>
-              <a:t>decomposition</a:t>
-            </a:r>
-            <a:r>
-              <a:rPr lang="it-IT" altLang="it-IT" dirty="0"/>
-              <a:t> of Large Networks on a Single PC</a:t>
-            </a:r>
+              <a:t>Verification</a:t>
+            </a:r>
+            <a:endParaRPr lang="it-IT" altLang="it-IT" dirty="0"/>
           </a:p>
         </p:txBody>
       </p:sp>
@@ -15449,39 +15142,7 @@
             </a:pPr>
             <a:r>
               <a:rPr lang="it-IT" altLang="it-IT" sz="2200" dirty="0"/>
-              <a:t>The </a:t>
-            </a:r>
-            <a:r>
-              <a:rPr lang="it-IT" altLang="it-IT" sz="2200" dirty="0" err="1"/>
-              <a:t>operation</a:t>
-            </a:r>
-            <a:r>
-              <a:rPr lang="it-IT" altLang="it-IT" sz="2200" dirty="0"/>
-              <a:t> </a:t>
-            </a:r>
-            <a:r>
-              <a:rPr lang="it-IT" altLang="it-IT" sz="2200" dirty="0" err="1"/>
-              <a:t>will</a:t>
-            </a:r>
-            <a:r>
-              <a:rPr lang="it-IT" altLang="it-IT" sz="2200" dirty="0"/>
-              <a:t> be </a:t>
-            </a:r>
-            <a:r>
-              <a:rPr lang="it-IT" altLang="it-IT" sz="2200" dirty="0" err="1"/>
-              <a:t>implemented</a:t>
-            </a:r>
-            <a:r>
-              <a:rPr lang="it-IT" altLang="it-IT" sz="2200" dirty="0"/>
-              <a:t> </a:t>
-            </a:r>
-            <a:r>
-              <a:rPr lang="it-IT" altLang="it-IT" sz="2200" dirty="0" err="1"/>
-              <a:t>according</a:t>
-            </a:r>
-            <a:r>
-              <a:rPr lang="it-IT" altLang="it-IT" sz="2200" dirty="0"/>
-              <a:t> to the «</a:t>
+              <a:t>L’operazione sarà implementata secondo la procedura del «</a:t>
             </a:r>
             <a:r>
               <a:rPr lang="it-IT" altLang="it-IT" sz="2200" dirty="0" err="1"/>
@@ -15489,7 +15150,7 @@
             </a:r>
             <a:r>
               <a:rPr lang="it-IT" altLang="it-IT" sz="2200" dirty="0"/>
-              <a:t> vs </a:t>
+              <a:t> VS </a:t>
             </a:r>
             <a:r>
               <a:rPr lang="it-IT" altLang="it-IT" sz="2200" dirty="0" err="1"/>
@@ -15497,81 +15158,8 @@
             </a:r>
             <a:r>
               <a:rPr lang="it-IT" altLang="it-IT" sz="2200" dirty="0"/>
-              <a:t>» procedure, so </a:t>
-            </a:r>
-            <a:r>
-              <a:rPr lang="it-IT" altLang="it-IT" sz="2200" dirty="0" err="1"/>
-              <a:t>that</a:t>
-            </a:r>
-            <a:r>
-              <a:rPr lang="it-IT" altLang="it-IT" sz="2200" dirty="0"/>
-              <a:t> </a:t>
-            </a:r>
-            <a:r>
-              <a:rPr lang="it-IT" altLang="it-IT" sz="2200" dirty="0" err="1"/>
-              <a:t>it</a:t>
-            </a:r>
-            <a:r>
-              <a:rPr lang="it-IT" altLang="it-IT" sz="2200" dirty="0"/>
-              <a:t> </a:t>
-            </a:r>
-            <a:r>
-              <a:rPr lang="it-IT" altLang="it-IT" sz="2200" dirty="0" err="1"/>
-              <a:t>is</a:t>
-            </a:r>
-            <a:r>
-              <a:rPr lang="it-IT" altLang="it-IT" sz="2200" dirty="0"/>
-              <a:t> </a:t>
-            </a:r>
-            <a:r>
-              <a:rPr lang="it-IT" altLang="it-IT" sz="2200" dirty="0" err="1"/>
-              <a:t>possible</a:t>
-            </a:r>
-            <a:r>
-              <a:rPr lang="it-IT" altLang="it-IT" sz="2200" dirty="0"/>
-              <a:t> to </a:t>
-            </a:r>
-            <a:r>
-              <a:rPr lang="it-IT" altLang="it-IT" sz="2200" dirty="0" err="1"/>
-              <a:t>have</a:t>
-            </a:r>
-            <a:r>
-              <a:rPr lang="it-IT" altLang="it-IT" sz="2200" dirty="0"/>
-              <a:t> a </a:t>
-            </a:r>
-            <a:r>
-              <a:rPr lang="it-IT" altLang="it-IT" sz="2200" dirty="0" err="1"/>
-              <a:t>better</a:t>
-            </a:r>
-            <a:r>
-              <a:rPr lang="it-IT" altLang="it-IT" sz="2200" dirty="0"/>
-              <a:t> </a:t>
-            </a:r>
-            <a:r>
-              <a:rPr lang="it-IT" altLang="it-IT" sz="2200" dirty="0" err="1"/>
-              <a:t>accuracy</a:t>
-            </a:r>
-            <a:r>
-              <a:rPr lang="it-IT" altLang="it-IT" sz="2200" dirty="0"/>
-              <a:t> </a:t>
-            </a:r>
-            <a:r>
-              <a:rPr lang="it-IT" altLang="it-IT" sz="2200" dirty="0" err="1"/>
-              <a:t>value</a:t>
-            </a:r>
-            <a:r>
-              <a:rPr lang="it-IT" altLang="it-IT" sz="2200" dirty="0"/>
-              <a:t>.</a:t>
-            </a:r>
-          </a:p>
-          <a:p>
-            <a:pPr marL="187325" indent="-187325" eaLnBrk="1" hangingPunct="1">
-              <a:lnSpc>
-                <a:spcPct val="140000"/>
-              </a:lnSpc>
-              <a:buFont typeface="Times" pitchFamily="2" charset="0"/>
-              <a:buChar char="•"/>
-            </a:pPr>
+              <a:t>», in modo da avere una miglior precisione</a:t>
+            </a:r>
             <a:endParaRPr lang="it-IT" altLang="it-IT" sz="1800" dirty="0"/>
           </a:p>
           <a:p>
@@ -16177,20 +15765,16 @@
           <a:lstStyle/>
           <a:p>
             <a:r>
+              <a:rPr lang="it-IT" altLang="it-IT" sz="2000" dirty="0"/>
+              <a:t>Implementazione </a:t>
+            </a:r>
+            <a:r>
               <a:rPr lang="it-IT" altLang="it-IT" sz="2000" dirty="0" err="1"/>
               <a:t>Python</a:t>
             </a:r>
             <a:r>
               <a:rPr lang="it-IT" altLang="it-IT" sz="2000" dirty="0"/>
-              <a:t> </a:t>
-            </a:r>
-            <a:r>
-              <a:rPr lang="it-IT" altLang="it-IT" sz="2000" dirty="0" err="1"/>
-              <a:t>implementation</a:t>
-            </a:r>
-            <a:r>
-              <a:rPr lang="it-IT" altLang="it-IT" sz="2000" dirty="0"/>
-              <a:t> of </a:t>
+              <a:t> del </a:t>
             </a:r>
             <a:r>
               <a:rPr lang="it-IT" altLang="it-IT" sz="2000" dirty="0" err="1"/>
@@ -16206,23 +15790,7 @@
             </a:r>
             <a:r>
               <a:rPr lang="it-IT" altLang="it-IT" sz="2000" dirty="0"/>
-              <a:t> with </a:t>
-            </a:r>
-            <a:r>
-              <a:rPr lang="it-IT" altLang="it-IT" sz="2000" dirty="0" err="1"/>
-              <a:t>Siameses</a:t>
-            </a:r>
-            <a:r>
-              <a:rPr lang="it-IT" altLang="it-IT" sz="2000" dirty="0"/>
-              <a:t> </a:t>
-            </a:r>
-            <a:r>
-              <a:rPr lang="it-IT" altLang="it-IT" sz="2000" dirty="0" err="1"/>
-              <a:t>Neural</a:t>
-            </a:r>
-            <a:r>
-              <a:rPr lang="it-IT" altLang="it-IT" sz="2000" dirty="0"/>
-              <a:t> Networks</a:t>
+              <a:t> con la Rete Siamese</a:t>
             </a:r>
             <a:br>
               <a:rPr lang="it-IT" altLang="it-IT" sz="2000" dirty="0"/>
@@ -16379,18 +15947,9 @@
           <a:lstStyle/>
           <a:p>
             <a:r>
-              <a:rPr lang="it-IT" dirty="0" err="1"/>
-              <a:t>Algorithm’s</a:t>
-            </a:r>
-            <a:r>
               <a:rPr lang="it-IT" dirty="0"/>
-              <a:t> </a:t>
-            </a:r>
-            <a:r>
-              <a:rPr lang="it-IT" dirty="0" err="1"/>
-              <a:t>explanation</a:t>
-            </a:r>
-            <a:endParaRPr lang="it-IT" dirty="0"/>
+              <a:t>Spiegazione dell’algoritmo</a:t>
+            </a:r>
           </a:p>
         </p:txBody>
       </p:sp>
@@ -16422,276 +15981,19 @@
           <a:p>
             <a:r>
               <a:rPr lang="it-IT" dirty="0"/>
-              <a:t>By </a:t>
-            </a:r>
-            <a:r>
-              <a:rPr lang="it-IT" dirty="0" err="1"/>
-              <a:t>iterating</a:t>
-            </a:r>
+              <a:t>Iterando sul test set, prendiamo tre immagini (3, ad esempio, di una persona X se X non è la persona che stiamo usando per il paragone; 2 altrimenti) che verranno paragonate a quella attualmente in analisi</a:t>
+            </a:r>
+          </a:p>
+          <a:p>
             <a:r>
               <a:rPr lang="it-IT" dirty="0"/>
-              <a:t> on the test set, </a:t>
-            </a:r>
-            <a:r>
-              <a:rPr lang="it-IT" dirty="0" err="1"/>
-              <a:t>we</a:t>
-            </a:r>
+              <a:t>La Siamese farà quindi i suoi calcoli</a:t>
+            </a:r>
+          </a:p>
+          <a:p>
             <a:r>
               <a:rPr lang="it-IT" dirty="0"/>
-              <a:t> take 3 images (3 of, </a:t>
-            </a:r>
-            <a:r>
-              <a:rPr lang="it-IT" dirty="0" err="1"/>
-              <a:t>say</a:t>
-            </a:r>
-            <a:r>
-              <a:rPr lang="it-IT" dirty="0"/>
-              <a:t>, a </a:t>
-            </a:r>
-            <a:r>
-              <a:rPr lang="it-IT" dirty="0" err="1"/>
-              <a:t>person</a:t>
-            </a:r>
-            <a:r>
-              <a:rPr lang="it-IT" dirty="0"/>
-              <a:t> X </a:t>
-            </a:r>
-            <a:r>
-              <a:rPr lang="it-IT" dirty="0" err="1"/>
-              <a:t>if</a:t>
-            </a:r>
-            <a:r>
-              <a:rPr lang="it-IT" dirty="0"/>
-              <a:t> X </a:t>
-            </a:r>
-            <a:r>
-              <a:rPr lang="it-IT" dirty="0" err="1"/>
-              <a:t>is</a:t>
-            </a:r>
-            <a:r>
-              <a:rPr lang="it-IT" dirty="0"/>
-              <a:t> </a:t>
-            </a:r>
-            <a:r>
-              <a:rPr lang="it-IT" dirty="0" err="1"/>
-              <a:t>not</a:t>
-            </a:r>
-            <a:r>
-              <a:rPr lang="it-IT" dirty="0"/>
-              <a:t> the </a:t>
-            </a:r>
-            <a:r>
-              <a:rPr lang="it-IT" dirty="0" err="1"/>
-              <a:t>person</a:t>
-            </a:r>
-            <a:r>
-              <a:rPr lang="it-IT" dirty="0"/>
-              <a:t> </a:t>
-            </a:r>
-            <a:r>
-              <a:rPr lang="it-IT" dirty="0" err="1"/>
-              <a:t>we</a:t>
-            </a:r>
-            <a:r>
-              <a:rPr lang="it-IT" dirty="0"/>
-              <a:t> are </a:t>
-            </a:r>
-            <a:r>
-              <a:rPr lang="it-IT" dirty="0" err="1"/>
-              <a:t>using</a:t>
-            </a:r>
-            <a:r>
-              <a:rPr lang="it-IT" dirty="0"/>
-              <a:t> to </a:t>
-            </a:r>
-            <a:r>
-              <a:rPr lang="it-IT" dirty="0" err="1"/>
-              <a:t>make</a:t>
-            </a:r>
-            <a:r>
-              <a:rPr lang="it-IT" dirty="0"/>
-              <a:t> the </a:t>
-            </a:r>
-            <a:r>
-              <a:rPr lang="it-IT" dirty="0" err="1"/>
-              <a:t>comparison</a:t>
-            </a:r>
-            <a:r>
-              <a:rPr lang="it-IT" dirty="0"/>
-              <a:t>; 2 </a:t>
-            </a:r>
-            <a:r>
-              <a:rPr lang="it-IT" dirty="0" err="1"/>
-              <a:t>otherwise</a:t>
-            </a:r>
-            <a:r>
-              <a:rPr lang="it-IT" dirty="0"/>
-              <a:t>) </a:t>
-            </a:r>
-            <a:r>
-              <a:rPr lang="it-IT" dirty="0" err="1"/>
-              <a:t>that</a:t>
-            </a:r>
-            <a:r>
-              <a:rPr lang="it-IT" dirty="0"/>
-              <a:t> </a:t>
-            </a:r>
-            <a:r>
-              <a:rPr lang="it-IT" dirty="0" err="1"/>
-              <a:t>will</a:t>
-            </a:r>
-            <a:r>
-              <a:rPr lang="it-IT" dirty="0"/>
-              <a:t> be </a:t>
-            </a:r>
-            <a:r>
-              <a:rPr lang="it-IT" dirty="0" err="1"/>
-              <a:t>compared</a:t>
-            </a:r>
-            <a:r>
-              <a:rPr lang="it-IT" dirty="0"/>
-              <a:t> to the </a:t>
-            </a:r>
-            <a:r>
-              <a:rPr lang="it-IT" dirty="0" err="1"/>
-              <a:t>one</a:t>
-            </a:r>
-            <a:r>
-              <a:rPr lang="it-IT" dirty="0"/>
-              <a:t> </a:t>
-            </a:r>
-            <a:r>
-              <a:rPr lang="it-IT" dirty="0" err="1"/>
-              <a:t>currently</a:t>
-            </a:r>
-            <a:r>
-              <a:rPr lang="it-IT" dirty="0"/>
-              <a:t> </a:t>
-            </a:r>
-            <a:r>
-              <a:rPr lang="it-IT" dirty="0" err="1"/>
-              <a:t>analyzed</a:t>
-            </a:r>
-            <a:r>
-              <a:rPr lang="it-IT" dirty="0"/>
-              <a:t>:</a:t>
-            </a:r>
-          </a:p>
-          <a:p>
-            <a:r>
-              <a:rPr lang="it-IT" dirty="0"/>
-              <a:t>The Siamese Network </a:t>
-            </a:r>
-            <a:r>
-              <a:rPr lang="it-IT" dirty="0" err="1"/>
-              <a:t>will</a:t>
-            </a:r>
-            <a:r>
-              <a:rPr lang="it-IT" dirty="0"/>
-              <a:t> </a:t>
-            </a:r>
-            <a:r>
-              <a:rPr lang="it-IT" dirty="0" err="1"/>
-              <a:t>then</a:t>
-            </a:r>
-            <a:r>
-              <a:rPr lang="it-IT" dirty="0"/>
-              <a:t> </a:t>
-            </a:r>
-            <a:r>
-              <a:rPr lang="it-IT" dirty="0" err="1"/>
-              <a:t>perform</a:t>
-            </a:r>
-            <a:r>
-              <a:rPr lang="it-IT" dirty="0"/>
-              <a:t> </a:t>
-            </a:r>
-            <a:r>
-              <a:rPr lang="it-IT" dirty="0" err="1"/>
-              <a:t>its</a:t>
-            </a:r>
-            <a:r>
-              <a:rPr lang="it-IT" dirty="0"/>
-              <a:t> </a:t>
-            </a:r>
-            <a:r>
-              <a:rPr lang="it-IT" dirty="0" err="1"/>
-              <a:t>predictions</a:t>
-            </a:r>
-            <a:endParaRPr lang="it-IT" dirty="0"/>
-          </a:p>
-          <a:p>
-            <a:r>
-              <a:rPr lang="it-IT" dirty="0" err="1"/>
-              <a:t>If</a:t>
-            </a:r>
-            <a:r>
-              <a:rPr lang="it-IT" dirty="0"/>
-              <a:t> </a:t>
-            </a:r>
-            <a:r>
-              <a:rPr lang="it-IT" dirty="0" err="1"/>
-              <a:t>one</a:t>
-            </a:r>
-            <a:r>
-              <a:rPr lang="it-IT" dirty="0"/>
-              <a:t> of </a:t>
-            </a:r>
-            <a:r>
-              <a:rPr lang="it-IT" dirty="0" err="1"/>
-              <a:t>these</a:t>
-            </a:r>
-            <a:r>
-              <a:rPr lang="it-IT" dirty="0"/>
-              <a:t> </a:t>
-            </a:r>
-            <a:r>
-              <a:rPr lang="it-IT" dirty="0" err="1"/>
-              <a:t>three</a:t>
-            </a:r>
-            <a:r>
-              <a:rPr lang="it-IT" dirty="0"/>
-              <a:t> </a:t>
-            </a:r>
-            <a:r>
-              <a:rPr lang="it-IT" dirty="0" err="1"/>
-              <a:t>predicted</a:t>
-            </a:r>
-            <a:r>
-              <a:rPr lang="it-IT" dirty="0"/>
-              <a:t> </a:t>
-            </a:r>
-            <a:r>
-              <a:rPr lang="it-IT" dirty="0" err="1"/>
-              <a:t>values</a:t>
-            </a:r>
-            <a:r>
-              <a:rPr lang="it-IT" dirty="0"/>
-              <a:t> are </a:t>
-            </a:r>
-            <a:r>
-              <a:rPr lang="it-IT" dirty="0" err="1"/>
-              <a:t>greater</a:t>
-            </a:r>
-            <a:r>
-              <a:rPr lang="it-IT" dirty="0"/>
-              <a:t> or </a:t>
-            </a:r>
-            <a:r>
-              <a:rPr lang="it-IT" dirty="0" err="1"/>
-              <a:t>equal</a:t>
-            </a:r>
-            <a:r>
-              <a:rPr lang="it-IT" dirty="0"/>
-              <a:t> to the </a:t>
-            </a:r>
-            <a:r>
-              <a:rPr lang="it-IT" dirty="0" err="1"/>
-              <a:t>current</a:t>
-            </a:r>
-            <a:r>
-              <a:rPr lang="it-IT" dirty="0"/>
-              <a:t> </a:t>
+              <a:t>Se una di queste predizioni ha un valore maggiore o uguale al </a:t>
             </a:r>
             <a:r>
               <a:rPr lang="it-IT" dirty="0" err="1"/>
@@ -16699,185 +16001,26 @@
             </a:r>
             <a:r>
               <a:rPr lang="it-IT" dirty="0"/>
-              <a:t>, </a:t>
+              <a:t> attuale, allora si può assumere di avere una Genuine </a:t>
             </a:r>
             <a:r>
               <a:rPr lang="it-IT" dirty="0" err="1"/>
-              <a:t>then</a:t>
-            </a:r>
+              <a:t>Acceptance</a:t>
+            </a:r>
+            <a:endParaRPr lang="it-IT" dirty="0"/>
+          </a:p>
+          <a:p>
             <a:r>
               <a:rPr lang="it-IT" dirty="0"/>
-              <a:t> </a:t>
+              <a:t>Questo sarà vero o falso in base ai </a:t>
             </a:r>
             <a:r>
               <a:rPr lang="it-IT" dirty="0" err="1"/>
-              <a:t>it</a:t>
+              <a:t>template</a:t>
             </a:r>
             <a:r>
               <a:rPr lang="it-IT" dirty="0"/>
-              <a:t> </a:t>
-            </a:r>
-            <a:r>
-              <a:rPr lang="it-IT" dirty="0" err="1"/>
-              <a:t>is</a:t>
-            </a:r>
-            <a:r>
-              <a:rPr lang="it-IT" dirty="0"/>
-              <a:t> </a:t>
-            </a:r>
-            <a:r>
-              <a:rPr lang="it-IT" dirty="0" err="1"/>
-              <a:t>safe</a:t>
-            </a:r>
-            <a:r>
-              <a:rPr lang="it-IT" dirty="0"/>
-              <a:t> to assume </a:t>
-            </a:r>
-            <a:r>
-              <a:rPr lang="it-IT" dirty="0" err="1"/>
-              <a:t>that</a:t>
-            </a:r>
-            <a:r>
-              <a:rPr lang="it-IT" dirty="0"/>
-              <a:t> </a:t>
-            </a:r>
-            <a:r>
-              <a:rPr lang="it-IT" dirty="0" err="1"/>
-              <a:t>we</a:t>
-            </a:r>
-            <a:r>
-              <a:rPr lang="it-IT" dirty="0"/>
-              <a:t> </a:t>
-            </a:r>
-            <a:r>
-              <a:rPr lang="it-IT" dirty="0" err="1"/>
-              <a:t>have</a:t>
-            </a:r>
-            <a:r>
-              <a:rPr lang="it-IT" dirty="0"/>
-              <a:t> a positive </a:t>
-            </a:r>
-            <a:r>
-              <a:rPr lang="it-IT" dirty="0" err="1"/>
-              <a:t>prediction</a:t>
-            </a:r>
-            <a:r>
-              <a:rPr lang="it-IT" dirty="0"/>
-              <a:t>. </a:t>
-            </a:r>
-          </a:p>
-          <a:p>
-            <a:r>
-              <a:rPr lang="it-IT" dirty="0" err="1"/>
-              <a:t>This</a:t>
-            </a:r>
-            <a:r>
-              <a:rPr lang="it-IT" dirty="0"/>
-              <a:t> </a:t>
-            </a:r>
-            <a:r>
-              <a:rPr lang="it-IT" dirty="0" err="1"/>
-              <a:t>will</a:t>
-            </a:r>
-            <a:r>
-              <a:rPr lang="it-IT" dirty="0"/>
-              <a:t> be </a:t>
-            </a:r>
-            <a:r>
-              <a:rPr lang="it-IT" dirty="0" err="1"/>
-              <a:t>either</a:t>
-            </a:r>
-            <a:r>
-              <a:rPr lang="it-IT" dirty="0"/>
-              <a:t> </a:t>
-            </a:r>
-            <a:r>
-              <a:rPr lang="it-IT" dirty="0" err="1"/>
-              <a:t>true</a:t>
-            </a:r>
-            <a:r>
-              <a:rPr lang="it-IT" dirty="0"/>
-              <a:t> or false, </a:t>
-            </a:r>
-            <a:r>
-              <a:rPr lang="it-IT" dirty="0" err="1"/>
-              <a:t>based</a:t>
-            </a:r>
-            <a:r>
-              <a:rPr lang="it-IT" dirty="0"/>
-              <a:t> on the </a:t>
-            </a:r>
-            <a:r>
-              <a:rPr lang="it-IT" dirty="0" err="1"/>
-              <a:t>matching</a:t>
-            </a:r>
-            <a:r>
-              <a:rPr lang="it-IT" dirty="0"/>
-              <a:t> of the </a:t>
-            </a:r>
-            <a:r>
-              <a:rPr lang="it-IT" dirty="0" err="1"/>
-              <a:t>compared</a:t>
-            </a:r>
-            <a:r>
-              <a:rPr lang="it-IT" dirty="0"/>
-              <a:t> </a:t>
-            </a:r>
-            <a:r>
-              <a:rPr lang="it-IT" dirty="0" err="1"/>
-              <a:t>identities</a:t>
-            </a:r>
-            <a:r>
-              <a:rPr lang="it-IT" dirty="0"/>
-              <a:t>. The </a:t>
-            </a:r>
-            <a:r>
-              <a:rPr lang="it-IT" dirty="0" err="1"/>
-              <a:t>same</a:t>
-            </a:r>
-            <a:r>
-              <a:rPr lang="it-IT" dirty="0"/>
-              <a:t> </a:t>
-            </a:r>
-            <a:r>
-              <a:rPr lang="it-IT" dirty="0" err="1"/>
-              <a:t>holds</a:t>
-            </a:r>
-            <a:r>
-              <a:rPr lang="it-IT" dirty="0"/>
-              <a:t> </a:t>
-            </a:r>
-            <a:r>
-              <a:rPr lang="it-IT" dirty="0" err="1"/>
-              <a:t>true</a:t>
-            </a:r>
-            <a:r>
-              <a:rPr lang="it-IT" dirty="0"/>
-              <a:t> </a:t>
-            </a:r>
-            <a:r>
-              <a:rPr lang="it-IT" dirty="0" err="1"/>
-              <a:t>if</a:t>
-            </a:r>
-            <a:r>
-              <a:rPr lang="it-IT" dirty="0"/>
-              <a:t> the </a:t>
-            </a:r>
-            <a:r>
-              <a:rPr lang="it-IT" dirty="0" err="1"/>
-              <a:t>prediction</a:t>
-            </a:r>
-            <a:r>
-              <a:rPr lang="it-IT" dirty="0"/>
-              <a:t> </a:t>
-            </a:r>
-            <a:r>
-              <a:rPr lang="it-IT" dirty="0" err="1"/>
-              <a:t>is</a:t>
-            </a:r>
-            <a:r>
-              <a:rPr lang="it-IT" dirty="0"/>
-              <a:t> negative </a:t>
+              <a:t> presenti a sistema. Lo stesso se la predizione è negativa</a:t>
             </a:r>
           </a:p>
           <a:p>
@@ -17033,13 +16176,8 @@
           <a:p>
             <a:r>
               <a:rPr lang="it-IT" dirty="0"/>
-              <a:t>AWS for more </a:t>
-            </a:r>
-            <a:r>
-              <a:rPr lang="it-IT" dirty="0" err="1"/>
-              <a:t>power</a:t>
-            </a:r>
-            <a:endParaRPr lang="it-IT" dirty="0"/>
+              <a:t>AWS per più potenza</a:t>
+            </a:r>
           </a:p>
         </p:txBody>
       </p:sp>
@@ -17070,161 +16208,24 @@
           <a:lstStyle/>
           <a:p>
             <a:r>
+              <a:rPr lang="it-IT" dirty="0"/>
+              <a:t>Dato che un PC normale avrebbe impiegato molto tempo nel calcolo, abbiamo deciso di usare un’istanza p2.xlarge di AWS</a:t>
+            </a:r>
+          </a:p>
+          <a:p>
+            <a:r>
+              <a:rPr lang="it-IT" dirty="0"/>
+              <a:t>Così facendo, da 20 giorni richiesti per il calcolo ce ne sono voluti solo.</a:t>
+            </a:r>
+          </a:p>
+          <a:p>
+            <a:r>
+              <a:rPr lang="it-IT" dirty="0"/>
+              <a:t>Le specifiche dell’istanza sono le </a:t>
+            </a:r>
+            <a:r>
               <a:rPr lang="it-IT" dirty="0" err="1"/>
-              <a:t>Since</a:t>
-            </a:r>
-            <a:r>
-              <a:rPr lang="it-IT" dirty="0"/>
-              <a:t> a consumer-grade computer </a:t>
-            </a:r>
-            <a:r>
-              <a:rPr lang="it-IT" dirty="0" err="1"/>
-              <a:t>would</a:t>
-            </a:r>
-            <a:r>
-              <a:rPr lang="it-IT" dirty="0"/>
-              <a:t> </a:t>
-            </a:r>
-            <a:r>
-              <a:rPr lang="it-IT" dirty="0" err="1"/>
-              <a:t>have</a:t>
-            </a:r>
-            <a:r>
-              <a:rPr lang="it-IT" dirty="0"/>
-              <a:t> </a:t>
-            </a:r>
-            <a:r>
-              <a:rPr lang="it-IT" dirty="0" err="1"/>
-              <a:t>taken</a:t>
-            </a:r>
-            <a:r>
-              <a:rPr lang="it-IT" dirty="0"/>
-              <a:t> a </a:t>
-            </a:r>
-            <a:r>
-              <a:rPr lang="it-IT" dirty="0" err="1"/>
-              <a:t>lot</a:t>
-            </a:r>
-            <a:r>
-              <a:rPr lang="it-IT" dirty="0"/>
-              <a:t> of time, </a:t>
-            </a:r>
-            <a:r>
-              <a:rPr lang="it-IT" dirty="0" err="1"/>
-              <a:t>we</a:t>
-            </a:r>
-            <a:r>
-              <a:rPr lang="it-IT" dirty="0"/>
-              <a:t> </a:t>
-            </a:r>
-            <a:r>
-              <a:rPr lang="it-IT" dirty="0" err="1"/>
-              <a:t>decided</a:t>
-            </a:r>
-            <a:r>
-              <a:rPr lang="it-IT" dirty="0"/>
-              <a:t> to use an </a:t>
-            </a:r>
-            <a:r>
-              <a:rPr lang="it-IT" dirty="0" err="1"/>
-              <a:t>AWS’s</a:t>
-            </a:r>
-            <a:r>
-              <a:rPr lang="it-IT" dirty="0"/>
-              <a:t> p2.xlarge </a:t>
-            </a:r>
-            <a:r>
-              <a:rPr lang="it-IT" dirty="0" err="1"/>
-              <a:t>instance</a:t>
-            </a:r>
-            <a:endParaRPr lang="it-IT" dirty="0"/>
-          </a:p>
-          <a:p>
-            <a:r>
-              <a:rPr lang="it-IT" dirty="0"/>
-              <a:t>With </a:t>
-            </a:r>
-            <a:r>
-              <a:rPr lang="it-IT" dirty="0" err="1"/>
-              <a:t>this</a:t>
-            </a:r>
-            <a:r>
-              <a:rPr lang="it-IT" dirty="0"/>
-              <a:t>, the </a:t>
-            </a:r>
-            <a:r>
-              <a:rPr lang="it-IT" dirty="0" err="1"/>
-              <a:t>calculation</a:t>
-            </a:r>
-            <a:r>
-              <a:rPr lang="it-IT" dirty="0"/>
-              <a:t> </a:t>
-            </a:r>
-            <a:r>
-              <a:rPr lang="it-IT" dirty="0" err="1"/>
-              <a:t>took</a:t>
-            </a:r>
-            <a:r>
-              <a:rPr lang="it-IT" dirty="0"/>
-              <a:t> </a:t>
-            </a:r>
-            <a:r>
-              <a:rPr lang="it-IT" dirty="0" err="1"/>
-              <a:t>only</a:t>
-            </a:r>
-            <a:r>
-              <a:rPr lang="it-IT" dirty="0"/>
-              <a:t> 9 </a:t>
-            </a:r>
-            <a:r>
-              <a:rPr lang="it-IT" dirty="0" err="1"/>
-              <a:t>days</a:t>
-            </a:r>
-            <a:r>
-              <a:rPr lang="it-IT" dirty="0"/>
-              <a:t> </a:t>
-            </a:r>
-            <a:r>
-              <a:rPr lang="it-IT" dirty="0" err="1"/>
-              <a:t>instead</a:t>
-            </a:r>
-            <a:r>
-              <a:rPr lang="it-IT" dirty="0"/>
-              <a:t> of 20.</a:t>
-            </a:r>
-          </a:p>
-          <a:p>
-            <a:r>
-              <a:rPr lang="it-IT" dirty="0"/>
-              <a:t>The </a:t>
-            </a:r>
-            <a:r>
-              <a:rPr lang="it-IT" dirty="0" err="1"/>
-              <a:t>specs</a:t>
-            </a:r>
-            <a:r>
-              <a:rPr lang="it-IT" dirty="0"/>
-              <a:t> of a p2.xlarge </a:t>
-            </a:r>
-            <a:r>
-              <a:rPr lang="it-IT" dirty="0" err="1"/>
-              <a:t>instance</a:t>
-            </a:r>
-            <a:r>
-              <a:rPr lang="it-IT" dirty="0"/>
-              <a:t> are </a:t>
-            </a:r>
-            <a:r>
-              <a:rPr lang="it-IT" dirty="0" err="1"/>
-              <a:t>as</a:t>
-            </a:r>
-            <a:r>
-              <a:rPr lang="it-IT" dirty="0"/>
-              <a:t> </a:t>
-            </a:r>
-            <a:r>
-              <a:rPr lang="it-IT" dirty="0" err="1"/>
-              <a:t>follows</a:t>
+              <a:t>seugenti</a:t>
             </a:r>
             <a:r>
               <a:rPr lang="it-IT" dirty="0"/>
@@ -17305,7 +16306,7 @@
           <a:p>
             <a:r>
               <a:rPr lang="it-IT" altLang="it-IT" dirty="0"/>
-              <a:t>11/06/2019</a:t>
+              <a:t>24/06/2019</a:t>
             </a:r>
           </a:p>
         </p:txBody>
@@ -17459,9 +16460,9 @@
             <a:fld id="{5FE27D20-0B32-5D45-9A0B-0C7CC0271879}" type="datetime1">
               <a:rPr lang="it-IT" altLang="it-IT" smtClean="0"/>
               <a:pPr/>
-              <a:t>23/06/2019</a:t>
+              <a:t>24/06/19</a:t>
             </a:fld>
-            <a:endParaRPr lang="it-IT" altLang="it-IT"/>
+            <a:endParaRPr lang="it-IT" altLang="it-IT" dirty="0"/>
           </a:p>
         </p:txBody>
       </p:sp>
@@ -17487,9 +16488,14 @@
           <a:lstStyle/>
           <a:p>
             <a:r>
-              <a:rPr lang="it-IT" altLang="it-IT"/>
-              <a:t>Titolo Presentazione</a:t>
-            </a:r>
+              <a:rPr lang="it-IT" altLang="it-IT" dirty="0"/>
+              <a:t>Siamese Networks and Image </a:t>
+            </a:r>
+            <a:r>
+              <a:rPr lang="it-IT" altLang="it-IT" dirty="0" err="1"/>
+              <a:t>Verification</a:t>
+            </a:r>
+            <a:endParaRPr lang="it-IT" altLang="it-IT" dirty="0"/>
           </a:p>
         </p:txBody>
       </p:sp>
@@ -17621,23 +16627,7 @@
           <a:p>
             <a:r>
               <a:rPr lang="it-IT" dirty="0"/>
-              <a:t>FAR and FRR </a:t>
-            </a:r>
-            <a:r>
-              <a:rPr lang="it-IT" dirty="0" err="1"/>
-              <a:t>mutation</a:t>
-            </a:r>
-            <a:r>
-              <a:rPr lang="it-IT" dirty="0"/>
-              <a:t> </a:t>
-            </a:r>
-            <a:r>
-              <a:rPr lang="it-IT" dirty="0" err="1"/>
-              <a:t>during</a:t>
-            </a:r>
-            <a:r>
-              <a:rPr lang="it-IT" dirty="0"/>
-              <a:t> time</a:t>
+              <a:t>Mutazione di FAR e FRR nel tempo</a:t>
             </a:r>
           </a:p>
         </p:txBody>
@@ -17669,89 +16659,17 @@
           <a:lstStyle/>
           <a:p>
             <a:r>
-              <a:rPr lang="it-IT" altLang="it-IT" sz="1800" dirty="0" err="1"/>
-              <a:t>After</a:t>
-            </a:r>
-            <a:r>
               <a:rPr lang="it-IT" altLang="it-IT" sz="1800" dirty="0"/>
-              <a:t> the </a:t>
-            </a:r>
-            <a:r>
-              <a:rPr lang="it-IT" altLang="it-IT" sz="1800" dirty="0" err="1"/>
-              <a:t>calculations</a:t>
-            </a:r>
+              <a:t>Dopo i calcoli della rete, questo è come FAR e FRR mutano nel tempo</a:t>
+            </a:r>
+          </a:p>
+          <a:p>
+            <a:endParaRPr lang="it-IT" altLang="it-IT" sz="1800" dirty="0"/>
+          </a:p>
+          <a:p>
             <a:r>
               <a:rPr lang="it-IT" altLang="it-IT" sz="1800" dirty="0"/>
-              <a:t>, </a:t>
-            </a:r>
-            <a:r>
-              <a:rPr lang="it-IT" altLang="it-IT" sz="1800" dirty="0" err="1"/>
-              <a:t>this</a:t>
-            </a:r>
-            <a:r>
-              <a:rPr lang="it-IT" altLang="it-IT" sz="1800" dirty="0"/>
-              <a:t> </a:t>
-            </a:r>
-            <a:r>
-              <a:rPr lang="it-IT" altLang="it-IT" sz="1800" dirty="0" err="1"/>
-              <a:t>is</a:t>
-            </a:r>
-            <a:r>
-              <a:rPr lang="it-IT" altLang="it-IT" sz="1800" dirty="0"/>
-              <a:t> </a:t>
-            </a:r>
-            <a:r>
-              <a:rPr lang="it-IT" altLang="it-IT" sz="1800" dirty="0" err="1"/>
-              <a:t>how</a:t>
-            </a:r>
-            <a:r>
-              <a:rPr lang="it-IT" altLang="it-IT" sz="1800" dirty="0"/>
-              <a:t> FAR and FRR </a:t>
-            </a:r>
-            <a:r>
-              <a:rPr lang="it-IT" altLang="it-IT" sz="1800" dirty="0" err="1"/>
-              <a:t>evolves</a:t>
-            </a:r>
-            <a:r>
-              <a:rPr lang="it-IT" altLang="it-IT" sz="1800" dirty="0"/>
-              <a:t> </a:t>
-            </a:r>
-            <a:r>
-              <a:rPr lang="it-IT" altLang="it-IT" sz="1800" dirty="0" err="1"/>
-              <a:t>through</a:t>
-            </a:r>
-            <a:r>
-              <a:rPr lang="it-IT" altLang="it-IT" sz="1800" dirty="0"/>
-              <a:t> time</a:t>
-            </a:r>
-          </a:p>
-          <a:p>
-            <a:endParaRPr lang="it-IT" altLang="it-IT" sz="1800" dirty="0"/>
-          </a:p>
-          <a:p>
-            <a:r>
-              <a:rPr lang="it-IT" altLang="it-IT" sz="1800" dirty="0" err="1"/>
-              <a:t>Since</a:t>
-            </a:r>
-            <a:r>
-              <a:rPr lang="it-IT" altLang="it-IT" sz="1800" dirty="0"/>
-              <a:t> </a:t>
-            </a:r>
-            <a:r>
-              <a:rPr lang="it-IT" altLang="it-IT" sz="1800" dirty="0" err="1"/>
-              <a:t>we</a:t>
-            </a:r>
-            <a:r>
-              <a:rPr lang="it-IT" altLang="it-IT" sz="1800" dirty="0"/>
-              <a:t> are </a:t>
-            </a:r>
-            <a:r>
-              <a:rPr lang="it-IT" altLang="it-IT" sz="1800" dirty="0" err="1"/>
-              <a:t>using</a:t>
-            </a:r>
-            <a:r>
-              <a:rPr lang="it-IT" altLang="it-IT" sz="1800" dirty="0"/>
-              <a:t> the </a:t>
+              <a:t>Dato che stiamo usando la procedura </a:t>
             </a:r>
             <a:r>
               <a:rPr lang="it-IT" altLang="it-IT" sz="1800" dirty="0" err="1"/>
@@ -17767,63 +16685,7 @@
             </a:r>
             <a:r>
               <a:rPr lang="it-IT" altLang="it-IT" sz="1800" dirty="0"/>
-              <a:t> Procedure, </a:t>
-            </a:r>
-            <a:r>
-              <a:rPr lang="it-IT" altLang="it-IT" sz="1800" dirty="0" err="1"/>
-              <a:t>we</a:t>
-            </a:r>
-            <a:r>
-              <a:rPr lang="it-IT" altLang="it-IT" sz="1800" dirty="0"/>
-              <a:t> </a:t>
-            </a:r>
-            <a:r>
-              <a:rPr lang="it-IT" altLang="it-IT" sz="1800" dirty="0" err="1"/>
-              <a:t>need</a:t>
-            </a:r>
-            <a:r>
-              <a:rPr lang="it-IT" altLang="it-IT" sz="1800" dirty="0"/>
-              <a:t> to </a:t>
-            </a:r>
-            <a:r>
-              <a:rPr lang="it-IT" altLang="it-IT" sz="1800" dirty="0" err="1"/>
-              <a:t>find</a:t>
-            </a:r>
-            <a:r>
-              <a:rPr lang="it-IT" altLang="it-IT" sz="1800" dirty="0"/>
-              <a:t> the E.R.R. </a:t>
-            </a:r>
-            <a:r>
-              <a:rPr lang="it-IT" altLang="it-IT" sz="1800" dirty="0" err="1"/>
-              <a:t>which</a:t>
-            </a:r>
-            <a:r>
-              <a:rPr lang="it-IT" altLang="it-IT" sz="1800" dirty="0"/>
-              <a:t>, </a:t>
-            </a:r>
-            <a:r>
-              <a:rPr lang="it-IT" altLang="it-IT" sz="1800" dirty="0" err="1"/>
-              <a:t>according</a:t>
-            </a:r>
-            <a:r>
-              <a:rPr lang="it-IT" altLang="it-IT" sz="1800" dirty="0"/>
-              <a:t> to the plot, </a:t>
-            </a:r>
-            <a:r>
-              <a:rPr lang="it-IT" altLang="it-IT" sz="1800" dirty="0" err="1"/>
-              <a:t>is</a:t>
-            </a:r>
-            <a:r>
-              <a:rPr lang="it-IT" altLang="it-IT" sz="1800" dirty="0"/>
-              <a:t> </a:t>
-            </a:r>
-            <a:r>
-              <a:rPr lang="it-IT" altLang="it-IT" sz="1800" dirty="0" err="1"/>
-              <a:t>between</a:t>
-            </a:r>
-            <a:r>
-              <a:rPr lang="it-IT" altLang="it-IT" sz="1800" dirty="0"/>
-              <a:t> 0.37 and 0.38</a:t>
+              <a:t>, abbiamo bisogno dell’E.R.R. che, secondo il nostro grafico, è situato tra 0.37 and 0.38</a:t>
             </a:r>
           </a:p>
           <a:p>
@@ -18013,10 +16875,9 @@
           <a:lstStyle/>
           <a:p>
             <a:r>
-              <a:rPr lang="it-IT" dirty="0" err="1"/>
-              <a:t>Conclusions</a:t>
-            </a:r>
-            <a:endParaRPr lang="it-IT" dirty="0"/>
+              <a:rPr lang="it-IT" dirty="0"/>
+              <a:t>Conclusioni</a:t>
+            </a:r>
           </a:p>
         </p:txBody>
       </p:sp>
@@ -18047,52 +16908,8 @@
           <a:lstStyle/>
           <a:p>
             <a:r>
-              <a:rPr lang="it-IT" dirty="0" err="1"/>
-              <a:t>Adapted</a:t>
-            </a:r>
-            <a:r>
               <a:rPr lang="it-IT" dirty="0"/>
-              <a:t> a network </a:t>
-            </a:r>
-            <a:r>
-              <a:rPr lang="it-IT" dirty="0" err="1"/>
-              <a:t>that</a:t>
-            </a:r>
-            <a:r>
-              <a:rPr lang="it-IT" dirty="0"/>
-              <a:t> </a:t>
-            </a:r>
-            <a:r>
-              <a:rPr lang="it-IT" dirty="0" err="1"/>
-              <a:t>was</a:t>
-            </a:r>
-            <a:r>
-              <a:rPr lang="it-IT" dirty="0"/>
-              <a:t> </a:t>
-            </a:r>
-            <a:r>
-              <a:rPr lang="it-IT" dirty="0" err="1"/>
-              <a:t>initially</a:t>
-            </a:r>
-            <a:r>
-              <a:rPr lang="it-IT" dirty="0"/>
-              <a:t> </a:t>
-            </a:r>
-            <a:r>
-              <a:rPr lang="it-IT" dirty="0" err="1"/>
-              <a:t>created</a:t>
-            </a:r>
-            <a:r>
-              <a:rPr lang="it-IT" dirty="0"/>
-              <a:t> for </a:t>
-            </a:r>
-            <a:r>
-              <a:rPr lang="it-IT" dirty="0" err="1"/>
-              <a:t>handwriting</a:t>
-            </a:r>
-            <a:r>
-              <a:rPr lang="it-IT" dirty="0"/>
-              <a:t> </a:t>
+              <a:t>Abbiamo adattato una rete originariamente concepita per la </a:t>
             </a:r>
             <a:r>
               <a:rPr lang="it-IT" dirty="0" err="1"/>
@@ -18100,7 +16917,7 @@
             </a:r>
             <a:r>
               <a:rPr lang="it-IT" dirty="0"/>
-              <a:t> to image </a:t>
+              <a:t> della scrittura all’image </a:t>
             </a:r>
             <a:r>
               <a:rPr lang="it-IT" dirty="0" err="1"/>
@@ -18113,84 +16930,8 @@
           </a:p>
           <a:p>
             <a:r>
-              <a:rPr lang="it-IT" dirty="0" err="1"/>
-              <a:t>As</a:t>
-            </a:r>
-            <a:r>
               <a:rPr lang="it-IT" dirty="0"/>
-              <a:t> for future work, </a:t>
-            </a:r>
-            <a:r>
-              <a:rPr lang="it-IT" dirty="0" err="1"/>
-              <a:t>it</a:t>
-            </a:r>
-            <a:r>
-              <a:rPr lang="it-IT" dirty="0"/>
-              <a:t> </a:t>
-            </a:r>
-            <a:r>
-              <a:rPr lang="it-IT" dirty="0" err="1"/>
-              <a:t>might</a:t>
-            </a:r>
-            <a:r>
-              <a:rPr lang="it-IT" dirty="0"/>
-              <a:t> be </a:t>
-            </a:r>
-            <a:r>
-              <a:rPr lang="it-IT" dirty="0" err="1"/>
-              <a:t>interesting</a:t>
-            </a:r>
-            <a:r>
-              <a:rPr lang="it-IT" dirty="0"/>
-              <a:t> to </a:t>
-            </a:r>
-            <a:r>
-              <a:rPr lang="it-IT" dirty="0" err="1"/>
-              <a:t>try</a:t>
-            </a:r>
-            <a:r>
-              <a:rPr lang="it-IT" dirty="0"/>
-              <a:t> to </a:t>
-            </a:r>
-            <a:r>
-              <a:rPr lang="it-IT" dirty="0" err="1"/>
-              <a:t>tweak</a:t>
-            </a:r>
-            <a:r>
-              <a:rPr lang="it-IT" dirty="0"/>
-              <a:t> the network in </a:t>
-            </a:r>
-            <a:r>
-              <a:rPr lang="it-IT" dirty="0" err="1"/>
-              <a:t>order</a:t>
-            </a:r>
-            <a:r>
-              <a:rPr lang="it-IT" dirty="0"/>
-              <a:t> to </a:t>
-            </a:r>
-            <a:r>
-              <a:rPr lang="it-IT" dirty="0" err="1"/>
-              <a:t>reach</a:t>
-            </a:r>
-            <a:r>
-              <a:rPr lang="it-IT" dirty="0"/>
-              <a:t> an </a:t>
-            </a:r>
-            <a:r>
-              <a:rPr lang="it-IT" dirty="0" err="1"/>
-              <a:t>accuracy</a:t>
-            </a:r>
-            <a:r>
-              <a:rPr lang="it-IT" dirty="0"/>
-              <a:t> </a:t>
-            </a:r>
-            <a:r>
-              <a:rPr lang="it-IT" dirty="0" err="1"/>
-              <a:t>value</a:t>
-            </a:r>
-            <a:r>
-              <a:rPr lang="it-IT" dirty="0"/>
-              <a:t> of 75%-80% or more. </a:t>
+              <a:t>Come lavoro futuro, sarebbe interessante cercare di apportare migliorie per arrivare ad un 75-80% di precisione</a:t>
             </a:r>
           </a:p>
           <a:p>
@@ -18204,19 +16945,11 @@
             </a:r>
             <a:r>
               <a:rPr lang="it-IT" dirty="0"/>
-              <a:t> to </a:t>
-            </a:r>
-            <a:r>
-              <a:rPr lang="it-IT" dirty="0" err="1"/>
-              <a:t>get</a:t>
-            </a:r>
-            <a:r>
-              <a:rPr lang="it-IT" dirty="0"/>
-              <a:t> more </a:t>
-            </a:r>
-            <a:r>
-              <a:rPr lang="it-IT" dirty="0" err="1"/>
-              <a:t>accuracy</a:t>
+              <a:t> per </a:t>
+            </a:r>
+            <a:r>
+              <a:rPr lang="it-IT"/>
+              <a:t>più precisione</a:t>
             </a:r>
             <a:endParaRPr lang="it-IT" dirty="0"/>
           </a:p>
@@ -18402,7 +17135,7 @@
             <a:fld id="{5FE27D20-0B32-5D45-9A0B-0C7CC0271879}" type="datetime1">
               <a:rPr lang="it-IT" altLang="it-IT" smtClean="0"/>
               <a:pPr/>
-              <a:t>23/06/2019</a:t>
+              <a:t>24/06/19</a:t>
             </a:fld>
             <a:endParaRPr lang="it-IT" altLang="it-IT"/>
           </a:p>
@@ -18430,9 +17163,14 @@
           <a:lstStyle/>
           <a:p>
             <a:r>
-              <a:rPr lang="it-IT" altLang="it-IT"/>
-              <a:t>Titolo Presentazione</a:t>
-            </a:r>
+              <a:rPr lang="it-IT" altLang="it-IT" dirty="0"/>
+              <a:t>Siamese Networks and Image </a:t>
+            </a:r>
+            <a:r>
+              <a:rPr lang="it-IT" altLang="it-IT" dirty="0" err="1"/>
+              <a:t>Verification</a:t>
+            </a:r>
+            <a:endParaRPr lang="it-IT" altLang="it-IT" dirty="0"/>
           </a:p>
         </p:txBody>
       </p:sp>
@@ -19087,7 +17825,7 @@
             <a:fld id="{5FE27D20-0B32-5D45-9A0B-0C7CC0271879}" type="datetime1">
               <a:rPr lang="it-IT" altLang="it-IT" smtClean="0"/>
               <a:pPr/>
-              <a:t>23/06/2019</a:t>
+              <a:t>24/06/19</a:t>
             </a:fld>
             <a:endParaRPr lang="it-IT" altLang="it-IT"/>
           </a:p>
@@ -19115,9 +17853,14 @@
           <a:lstStyle/>
           <a:p>
             <a:r>
-              <a:rPr lang="it-IT" altLang="it-IT"/>
-              <a:t>Titolo Presentazione</a:t>
-            </a:r>
+              <a:rPr lang="it-IT" altLang="it-IT" dirty="0"/>
+              <a:t>Siamese Networks and Image </a:t>
+            </a:r>
+            <a:r>
+              <a:rPr lang="it-IT" altLang="it-IT" dirty="0" err="1"/>
+              <a:t>Verification</a:t>
+            </a:r>
+            <a:endParaRPr lang="it-IT" altLang="it-IT" dirty="0"/>
           </a:p>
         </p:txBody>
       </p:sp>
@@ -20701,7 +19444,7 @@
             <a:fld id="{5FE27D20-0B32-5D45-9A0B-0C7CC0271879}" type="datetime1">
               <a:rPr lang="it-IT" altLang="it-IT" smtClean="0"/>
               <a:pPr/>
-              <a:t>23/06/2019</a:t>
+              <a:t>24/06/19</a:t>
             </a:fld>
             <a:endParaRPr lang="it-IT" altLang="it-IT"/>
           </a:p>
@@ -20729,9 +19472,14 @@
           <a:lstStyle/>
           <a:p>
             <a:r>
-              <a:rPr lang="it-IT" altLang="it-IT"/>
-              <a:t>Titolo Presentazione</a:t>
-            </a:r>
+              <a:rPr lang="it-IT" altLang="it-IT" dirty="0"/>
+              <a:t>Siamese Networks and Image </a:t>
+            </a:r>
+            <a:r>
+              <a:rPr lang="it-IT" altLang="it-IT" dirty="0" err="1"/>
+              <a:t>Verification</a:t>
+            </a:r>
+            <a:endParaRPr lang="it-IT" altLang="it-IT" dirty="0"/>
           </a:p>
         </p:txBody>
       </p:sp>
@@ -21308,7 +20056,7 @@
             <a:fld id="{5FE27D20-0B32-5D45-9A0B-0C7CC0271879}" type="datetime1">
               <a:rPr lang="it-IT" altLang="it-IT" smtClean="0"/>
               <a:pPr/>
-              <a:t>23/06/2019</a:t>
+              <a:t>24/06/19</a:t>
             </a:fld>
             <a:endParaRPr lang="it-IT" altLang="it-IT"/>
           </a:p>
@@ -21336,9 +20084,14 @@
           <a:lstStyle/>
           <a:p>
             <a:r>
-              <a:rPr lang="it-IT" altLang="it-IT"/>
-              <a:t>Titolo Presentazione</a:t>
-            </a:r>
+              <a:rPr lang="it-IT" altLang="it-IT" dirty="0"/>
+              <a:t>Siamese Networks and Image </a:t>
+            </a:r>
+            <a:r>
+              <a:rPr lang="it-IT" altLang="it-IT" dirty="0" err="1"/>
+              <a:t>Verification</a:t>
+            </a:r>
+            <a:endParaRPr lang="it-IT" altLang="it-IT" dirty="0"/>
           </a:p>
         </p:txBody>
       </p:sp>
@@ -24327,7 +23080,7 @@
             <a:fld id="{5FE27D20-0B32-5D45-9A0B-0C7CC0271879}" type="datetime1">
               <a:rPr lang="it-IT" altLang="it-IT" smtClean="0"/>
               <a:pPr/>
-              <a:t>23/06/2019</a:t>
+              <a:t>24/06/19</a:t>
             </a:fld>
             <a:endParaRPr lang="it-IT" altLang="it-IT"/>
           </a:p>
@@ -24355,9 +23108,14 @@
           <a:lstStyle/>
           <a:p>
             <a:r>
-              <a:rPr lang="it-IT" altLang="it-IT"/>
-              <a:t>Titolo Presentazione</a:t>
-            </a:r>
+              <a:rPr lang="it-IT" altLang="it-IT" dirty="0"/>
+              <a:t>Siamese Networks and Image </a:t>
+            </a:r>
+            <a:r>
+              <a:rPr lang="it-IT" altLang="it-IT" dirty="0" err="1"/>
+              <a:t>Verification</a:t>
+            </a:r>
+            <a:endParaRPr lang="it-IT" altLang="it-IT" dirty="0"/>
           </a:p>
         </p:txBody>
       </p:sp>
@@ -24793,7 +23551,7 @@
             <a:fld id="{5FE27D20-0B32-5D45-9A0B-0C7CC0271879}" type="datetime1">
               <a:rPr lang="it-IT" altLang="it-IT" smtClean="0"/>
               <a:pPr/>
-              <a:t>23/06/2019</a:t>
+              <a:t>24/06/19</a:t>
             </a:fld>
             <a:endParaRPr lang="it-IT" altLang="it-IT"/>
           </a:p>
@@ -24821,9 +23579,14 @@
           <a:lstStyle/>
           <a:p>
             <a:r>
-              <a:rPr lang="it-IT" altLang="it-IT"/>
-              <a:t>Titolo Presentazione</a:t>
-            </a:r>
+              <a:rPr lang="it-IT" altLang="it-IT" dirty="0"/>
+              <a:t>Siamese Networks and Image </a:t>
+            </a:r>
+            <a:r>
+              <a:rPr lang="it-IT" altLang="it-IT" dirty="0" err="1"/>
+              <a:t>Verification</a:t>
+            </a:r>
+            <a:endParaRPr lang="it-IT" altLang="it-IT" dirty="0"/>
           </a:p>
         </p:txBody>
       </p:sp>
@@ -25392,11 +24155,19 @@
           <a:p>
             <a:r>
               <a:rPr lang="en-US" dirty="0" err="1"/>
-              <a:t>Allenando</a:t>
+              <a:t>Allenamento</a:t>
             </a:r>
             <a:r>
               <a:rPr lang="en-US" dirty="0"/>
-              <a:t> la rete Siamese</a:t>
+              <a:t> </a:t>
+            </a:r>
+            <a:r>
+              <a:rPr lang="en-US" dirty="0" err="1"/>
+              <a:t>della</a:t>
+            </a:r>
+            <a:r>
+              <a:rPr lang="en-US" dirty="0"/>
+              <a:t> rete Siamese</a:t>
             </a:r>
           </a:p>
         </p:txBody>
@@ -25469,7 +24240,7 @@
             <a:fld id="{11920B5F-69EE-AC48-9DF3-98215AFAB723}" type="datetime1">
               <a:rPr lang="it-IT" altLang="it-IT" smtClean="0"/>
               <a:pPr/>
-              <a:t>23/06/2019</a:t>
+              <a:t>24/06/19</a:t>
             </a:fld>
             <a:endParaRPr lang="it-IT" altLang="it-IT"/>
           </a:p>
@@ -25497,9 +24268,14 @@
           <a:lstStyle/>
           <a:p>
             <a:r>
-              <a:rPr lang="it-IT" altLang="it-IT"/>
-              <a:t>Titolo Presentazione</a:t>
-            </a:r>
+              <a:rPr lang="it-IT" altLang="it-IT" dirty="0"/>
+              <a:t>Siamese Networks and Image </a:t>
+            </a:r>
+            <a:r>
+              <a:rPr lang="it-IT" altLang="it-IT" dirty="0" err="1"/>
+              <a:t>Verification</a:t>
+            </a:r>
+            <a:endParaRPr lang="it-IT" altLang="it-IT" dirty="0"/>
           </a:p>
         </p:txBody>
       </p:sp>
